--- a/Hyperledger Fabric and Composer.pptx
+++ b/Hyperledger Fabric and Composer.pptx
@@ -19,7 +19,6 @@
     <p:sldId id="264" r:id="rId13"/>
     <p:sldId id="265" r:id="rId14"/>
     <p:sldId id="266" r:id="rId15"/>
-    <p:sldId id="267" r:id="rId16"/>
   </p:sldIdLst>
   <p:sldSz cy="5143500" cx="9144000"/>
   <p:notesSz cx="6858000" cy="9144000"/>
@@ -764,7 +763,24 @@
               <a:buNone/>
             </a:pPr>
             <a:r>
-              <a:t/>
+              <a:rPr lang="en-GB"/>
+              <a:t>Fabric - blockchain framework </a:t>
+            </a:r>
+            <a:endParaRPr/>
+          </a:p>
+          <a:p>
+            <a:pPr indent="0" lvl="0" marL="0" rtl="0" algn="l">
+              <a:spcBef>
+                <a:spcPts val="0"/>
+              </a:spcBef>
+              <a:spcAft>
+                <a:spcPts val="0"/>
+              </a:spcAft>
+              <a:buNone/>
+            </a:pPr>
+            <a:r>
+              <a:rPr lang="en-GB"/>
+              <a:t>Composer - blockchain business model and concept creator </a:t>
             </a:r>
             <a:endParaRPr/>
           </a:p>
@@ -783,7 +799,7 @@
   <p:cSld>
     <p:spTree>
       <p:nvGrpSpPr>
-        <p:cNvPr id="108" name="Shape 108"/>
+        <p:cNvPr id="109" name="Shape 109"/>
         <p:cNvGrpSpPr/>
         <p:nvPr/>
       </p:nvGrpSpPr>
@@ -797,7 +813,7 @@
       </p:grpSpPr>
       <p:sp>
         <p:nvSpPr>
-          <p:cNvPr id="109" name="Google Shape;109;g4f83ba9eb7_0_2:notes"/>
+          <p:cNvPr id="110" name="Google Shape;110;g4f83ba9eb7_0_2:notes"/>
           <p:cNvSpPr/>
           <p:nvPr>
             <p:ph idx="2" type="sldImg"/>
@@ -832,7 +848,7 @@
       </p:sp>
       <p:sp>
         <p:nvSpPr>
-          <p:cNvPr id="110" name="Google Shape;110;g4f83ba9eb7_0_2:notes"/>
+          <p:cNvPr id="111" name="Google Shape;111;g4f83ba9eb7_0_2:notes"/>
           <p:cNvSpPr txBox="1"/>
           <p:nvPr>
             <p:ph idx="1" type="body"/>
@@ -882,7 +898,7 @@
   <p:cSld>
     <p:spTree>
       <p:nvGrpSpPr>
-        <p:cNvPr id="114" name="Shape 114"/>
+        <p:cNvPr id="115" name="Shape 115"/>
         <p:cNvGrpSpPr/>
         <p:nvPr/>
       </p:nvGrpSpPr>
@@ -896,7 +912,7 @@
       </p:grpSpPr>
       <p:sp>
         <p:nvSpPr>
-          <p:cNvPr id="115" name="Google Shape;115;g4ef4831510_1_1:notes"/>
+          <p:cNvPr id="116" name="Google Shape;116;g4ef4831510_1_1:notes"/>
           <p:cNvSpPr/>
           <p:nvPr>
             <p:ph idx="2" type="sldImg"/>
@@ -931,7 +947,7 @@
       </p:sp>
       <p:sp>
         <p:nvSpPr>
-          <p:cNvPr id="116" name="Google Shape;116;g4ef4831510_1_1:notes"/>
+          <p:cNvPr id="117" name="Google Shape;117;g4ef4831510_1_1:notes"/>
           <p:cNvSpPr txBox="1"/>
           <p:nvPr>
             <p:ph idx="1" type="body"/>
@@ -976,12 +992,12 @@
 </p:notes>
 </file>
 
-<file path=ppt/notesSlides/notesSlide12.xml><?xml version="1.0" encoding="utf-8"?>
+<file path=ppt/notesSlides/notesSlide2.xml><?xml version="1.0" encoding="utf-8"?>
 <p:notes xmlns:a="http://schemas.openxmlformats.org/drawingml/2006/main" xmlns:r="http://schemas.openxmlformats.org/officeDocument/2006/relationships" xmlns:mc="http://schemas.openxmlformats.org/markup-compatibility/2006" xmlns:mv="urn:schemas-microsoft-com:mac:vml" xmlns:p="http://schemas.openxmlformats.org/presentationml/2006/main" xmlns:c="http://schemas.openxmlformats.org/drawingml/2006/chart" xmlns:dgm="http://schemas.openxmlformats.org/drawingml/2006/diagram" xmlns:o="urn:schemas-microsoft-com:office:office" xmlns:v="urn:schemas-microsoft-com:vml" xmlns:pvml="urn:schemas-microsoft-com:office:powerpoint" xmlns:com="http://schemas.openxmlformats.org/drawingml/2006/compatibility" xmlns:p14="http://schemas.microsoft.com/office/powerpoint/2010/main" xmlns:p15="http://schemas.microsoft.com/office/powerpoint/2012/main" showMasterPhAnim="0" showMasterSp="0">
   <p:cSld>
     <p:spTree>
       <p:nvGrpSpPr>
-        <p:cNvPr id="120" name="Shape 120"/>
+        <p:cNvPr id="60" name="Shape 60"/>
         <p:cNvGrpSpPr/>
         <p:nvPr/>
       </p:nvGrpSpPr>
@@ -995,7 +1011,7 @@
       </p:grpSpPr>
       <p:sp>
         <p:nvSpPr>
-          <p:cNvPr id="121" name="Google Shape;121;g4f76e9aabe_0_110:notes"/>
+          <p:cNvPr id="61" name="Google Shape;61;g4f76e9aabe_0_10:notes"/>
           <p:cNvSpPr/>
           <p:nvPr>
             <p:ph idx="2" type="sldImg"/>
@@ -1030,7 +1046,7 @@
       </p:sp>
       <p:sp>
         <p:nvSpPr>
-          <p:cNvPr id="122" name="Google Shape;122;g4f76e9aabe_0_110:notes"/>
+          <p:cNvPr id="62" name="Google Shape;62;g4f76e9aabe_0_10:notes"/>
           <p:cNvSpPr txBox="1"/>
           <p:nvPr>
             <p:ph idx="1" type="body"/>
@@ -1075,12 +1091,12 @@
 </p:notes>
 </file>
 
-<file path=ppt/notesSlides/notesSlide2.xml><?xml version="1.0" encoding="utf-8"?>
+<file path=ppt/notesSlides/notesSlide3.xml><?xml version="1.0" encoding="utf-8"?>
 <p:notes xmlns:a="http://schemas.openxmlformats.org/drawingml/2006/main" xmlns:r="http://schemas.openxmlformats.org/officeDocument/2006/relationships" xmlns:mc="http://schemas.openxmlformats.org/markup-compatibility/2006" xmlns:mv="urn:schemas-microsoft-com:mac:vml" xmlns:p="http://schemas.openxmlformats.org/presentationml/2006/main" xmlns:c="http://schemas.openxmlformats.org/drawingml/2006/chart" xmlns:dgm="http://schemas.openxmlformats.org/drawingml/2006/diagram" xmlns:o="urn:schemas-microsoft-com:office:office" xmlns:v="urn:schemas-microsoft-com:vml" xmlns:pvml="urn:schemas-microsoft-com:office:powerpoint" xmlns:com="http://schemas.openxmlformats.org/drawingml/2006/compatibility" xmlns:p14="http://schemas.microsoft.com/office/powerpoint/2010/main" xmlns:p15="http://schemas.microsoft.com/office/powerpoint/2012/main" showMasterPhAnim="0" showMasterSp="0">
   <p:cSld>
     <p:spTree>
       <p:nvGrpSpPr>
-        <p:cNvPr id="59" name="Shape 59"/>
+        <p:cNvPr id="67" name="Shape 67"/>
         <p:cNvGrpSpPr/>
         <p:nvPr/>
       </p:nvGrpSpPr>
@@ -1094,7 +1110,7 @@
       </p:grpSpPr>
       <p:sp>
         <p:nvSpPr>
-          <p:cNvPr id="60" name="Google Shape;60;g4f76e9aabe_0_10:notes"/>
+          <p:cNvPr id="68" name="Google Shape;68;g4eec01cd05_0_1:notes"/>
           <p:cNvSpPr/>
           <p:nvPr>
             <p:ph idx="2" type="sldImg"/>
@@ -1129,7 +1145,7 @@
       </p:sp>
       <p:sp>
         <p:nvSpPr>
-          <p:cNvPr id="61" name="Google Shape;61;g4f76e9aabe_0_10:notes"/>
+          <p:cNvPr id="69" name="Google Shape;69;g4eec01cd05_0_1:notes"/>
           <p:cNvSpPr txBox="1"/>
           <p:nvPr>
             <p:ph idx="1" type="body"/>
@@ -1160,7 +1176,8 @@
               <a:buNone/>
             </a:pPr>
             <a:r>
-              <a:t/>
+              <a:rPr lang="en-GB"/>
+              <a:t>This will enable the businesses to keep confidential the information they want</a:t>
             </a:r>
             <a:endParaRPr/>
           </a:p>
@@ -1174,12 +1191,12 @@
 </p:notes>
 </file>
 
-<file path=ppt/notesSlides/notesSlide3.xml><?xml version="1.0" encoding="utf-8"?>
+<file path=ppt/notesSlides/notesSlide4.xml><?xml version="1.0" encoding="utf-8"?>
 <p:notes xmlns:a="http://schemas.openxmlformats.org/drawingml/2006/main" xmlns:r="http://schemas.openxmlformats.org/officeDocument/2006/relationships" xmlns:mc="http://schemas.openxmlformats.org/markup-compatibility/2006" xmlns:mv="urn:schemas-microsoft-com:mac:vml" xmlns:p="http://schemas.openxmlformats.org/presentationml/2006/main" xmlns:c="http://schemas.openxmlformats.org/drawingml/2006/chart" xmlns:dgm="http://schemas.openxmlformats.org/drawingml/2006/diagram" xmlns:o="urn:schemas-microsoft-com:office:office" xmlns:v="urn:schemas-microsoft-com:vml" xmlns:pvml="urn:schemas-microsoft-com:office:powerpoint" xmlns:com="http://schemas.openxmlformats.org/drawingml/2006/compatibility" xmlns:p14="http://schemas.microsoft.com/office/powerpoint/2010/main" xmlns:p15="http://schemas.microsoft.com/office/powerpoint/2012/main" showMasterPhAnim="0" showMasterSp="0">
   <p:cSld>
     <p:spTree>
       <p:nvGrpSpPr>
-        <p:cNvPr id="66" name="Shape 66"/>
+        <p:cNvPr id="73" name="Shape 73"/>
         <p:cNvGrpSpPr/>
         <p:nvPr/>
       </p:nvGrpSpPr>
@@ -1193,7 +1210,7 @@
       </p:grpSpPr>
       <p:sp>
         <p:nvSpPr>
-          <p:cNvPr id="67" name="Google Shape;67;g4eec01cd05_0_1:notes"/>
+          <p:cNvPr id="74" name="Google Shape;74;g4eec01cd05_0_6:notes"/>
           <p:cNvSpPr/>
           <p:nvPr>
             <p:ph idx="2" type="sldImg"/>
@@ -1228,7 +1245,7 @@
       </p:sp>
       <p:sp>
         <p:nvSpPr>
-          <p:cNvPr id="68" name="Google Shape;68;g4eec01cd05_0_1:notes"/>
+          <p:cNvPr id="75" name="Google Shape;75;g4eec01cd05_0_6:notes"/>
           <p:cNvSpPr txBox="1"/>
           <p:nvPr>
             <p:ph idx="1" type="body"/>
@@ -1273,12 +1290,12 @@
 </p:notes>
 </file>
 
-<file path=ppt/notesSlides/notesSlide4.xml><?xml version="1.0" encoding="utf-8"?>
+<file path=ppt/notesSlides/notesSlide5.xml><?xml version="1.0" encoding="utf-8"?>
 <p:notes xmlns:a="http://schemas.openxmlformats.org/drawingml/2006/main" xmlns:r="http://schemas.openxmlformats.org/officeDocument/2006/relationships" xmlns:mc="http://schemas.openxmlformats.org/markup-compatibility/2006" xmlns:mv="urn:schemas-microsoft-com:mac:vml" xmlns:p="http://schemas.openxmlformats.org/presentationml/2006/main" xmlns:c="http://schemas.openxmlformats.org/drawingml/2006/chart" xmlns:dgm="http://schemas.openxmlformats.org/drawingml/2006/diagram" xmlns:o="urn:schemas-microsoft-com:office:office" xmlns:v="urn:schemas-microsoft-com:vml" xmlns:pvml="urn:schemas-microsoft-com:office:powerpoint" xmlns:com="http://schemas.openxmlformats.org/drawingml/2006/compatibility" xmlns:p14="http://schemas.microsoft.com/office/powerpoint/2010/main" xmlns:p15="http://schemas.microsoft.com/office/powerpoint/2012/main" showMasterPhAnim="0" showMasterSp="0">
   <p:cSld>
     <p:spTree>
       <p:nvGrpSpPr>
-        <p:cNvPr id="72" name="Shape 72"/>
+        <p:cNvPr id="79" name="Shape 79"/>
         <p:cNvGrpSpPr/>
         <p:nvPr/>
       </p:nvGrpSpPr>
@@ -1292,7 +1309,7 @@
       </p:grpSpPr>
       <p:sp>
         <p:nvSpPr>
-          <p:cNvPr id="73" name="Google Shape;73;g4eec01cd05_0_6:notes"/>
+          <p:cNvPr id="80" name="Google Shape;80;g4f76e9aabe_0_125:notes"/>
           <p:cNvSpPr/>
           <p:nvPr>
             <p:ph idx="2" type="sldImg"/>
@@ -1327,7 +1344,7 @@
       </p:sp>
       <p:sp>
         <p:nvSpPr>
-          <p:cNvPr id="74" name="Google Shape;74;g4eec01cd05_0_6:notes"/>
+          <p:cNvPr id="81" name="Google Shape;81;g4f76e9aabe_0_125:notes"/>
           <p:cNvSpPr txBox="1"/>
           <p:nvPr>
             <p:ph idx="1" type="body"/>
@@ -1372,12 +1389,12 @@
 </p:notes>
 </file>
 
-<file path=ppt/notesSlides/notesSlide5.xml><?xml version="1.0" encoding="utf-8"?>
+<file path=ppt/notesSlides/notesSlide6.xml><?xml version="1.0" encoding="utf-8"?>
 <p:notes xmlns:a="http://schemas.openxmlformats.org/drawingml/2006/main" xmlns:r="http://schemas.openxmlformats.org/officeDocument/2006/relationships" xmlns:mc="http://schemas.openxmlformats.org/markup-compatibility/2006" xmlns:mv="urn:schemas-microsoft-com:mac:vml" xmlns:p="http://schemas.openxmlformats.org/presentationml/2006/main" xmlns:c="http://schemas.openxmlformats.org/drawingml/2006/chart" xmlns:dgm="http://schemas.openxmlformats.org/drawingml/2006/diagram" xmlns:o="urn:schemas-microsoft-com:office:office" xmlns:v="urn:schemas-microsoft-com:vml" xmlns:pvml="urn:schemas-microsoft-com:office:powerpoint" xmlns:com="http://schemas.openxmlformats.org/drawingml/2006/compatibility" xmlns:p14="http://schemas.microsoft.com/office/powerpoint/2010/main" xmlns:p15="http://schemas.microsoft.com/office/powerpoint/2012/main" showMasterPhAnim="0" showMasterSp="0">
   <p:cSld>
     <p:spTree>
       <p:nvGrpSpPr>
-        <p:cNvPr id="78" name="Shape 78"/>
+        <p:cNvPr id="85" name="Shape 85"/>
         <p:cNvGrpSpPr/>
         <p:nvPr/>
       </p:nvGrpSpPr>
@@ -1391,7 +1408,7 @@
       </p:grpSpPr>
       <p:sp>
         <p:nvSpPr>
-          <p:cNvPr id="79" name="Google Shape;79;g4f76e9aabe_0_125:notes"/>
+          <p:cNvPr id="86" name="Google Shape;86;g4f76e9aabe_0_233:notes"/>
           <p:cNvSpPr/>
           <p:nvPr>
             <p:ph idx="2" type="sldImg"/>
@@ -1426,7 +1443,7 @@
       </p:sp>
       <p:sp>
         <p:nvSpPr>
-          <p:cNvPr id="80" name="Google Shape;80;g4f76e9aabe_0_125:notes"/>
+          <p:cNvPr id="87" name="Google Shape;87;g4f76e9aabe_0_233:notes"/>
           <p:cNvSpPr txBox="1"/>
           <p:nvPr>
             <p:ph idx="1" type="body"/>
@@ -1471,12 +1488,12 @@
 </p:notes>
 </file>
 
-<file path=ppt/notesSlides/notesSlide6.xml><?xml version="1.0" encoding="utf-8"?>
+<file path=ppt/notesSlides/notesSlide7.xml><?xml version="1.0" encoding="utf-8"?>
 <p:notes xmlns:a="http://schemas.openxmlformats.org/drawingml/2006/main" xmlns:r="http://schemas.openxmlformats.org/officeDocument/2006/relationships" xmlns:mc="http://schemas.openxmlformats.org/markup-compatibility/2006" xmlns:mv="urn:schemas-microsoft-com:mac:vml" xmlns:p="http://schemas.openxmlformats.org/presentationml/2006/main" xmlns:c="http://schemas.openxmlformats.org/drawingml/2006/chart" xmlns:dgm="http://schemas.openxmlformats.org/drawingml/2006/diagram" xmlns:o="urn:schemas-microsoft-com:office:office" xmlns:v="urn:schemas-microsoft-com:vml" xmlns:pvml="urn:schemas-microsoft-com:office:powerpoint" xmlns:com="http://schemas.openxmlformats.org/drawingml/2006/compatibility" xmlns:p14="http://schemas.microsoft.com/office/powerpoint/2010/main" xmlns:p15="http://schemas.microsoft.com/office/powerpoint/2012/main" showMasterPhAnim="0" showMasterSp="0">
   <p:cSld>
     <p:spTree>
       <p:nvGrpSpPr>
-        <p:cNvPr id="84" name="Shape 84"/>
+        <p:cNvPr id="91" name="Shape 91"/>
         <p:cNvGrpSpPr/>
         <p:nvPr/>
       </p:nvGrpSpPr>
@@ -1490,7 +1507,7 @@
       </p:grpSpPr>
       <p:sp>
         <p:nvSpPr>
-          <p:cNvPr id="85" name="Google Shape;85;g4f76e9aabe_0_233:notes"/>
+          <p:cNvPr id="92" name="Google Shape;92;g4f76e9aabe_0_238:notes"/>
           <p:cNvSpPr/>
           <p:nvPr>
             <p:ph idx="2" type="sldImg"/>
@@ -1525,7 +1542,7 @@
       </p:sp>
       <p:sp>
         <p:nvSpPr>
-          <p:cNvPr id="86" name="Google Shape;86;g4f76e9aabe_0_233:notes"/>
+          <p:cNvPr id="93" name="Google Shape;93;g4f76e9aabe_0_238:notes"/>
           <p:cNvSpPr txBox="1"/>
           <p:nvPr>
             <p:ph idx="1" type="body"/>
@@ -1570,12 +1587,12 @@
 </p:notes>
 </file>
 
-<file path=ppt/notesSlides/notesSlide7.xml><?xml version="1.0" encoding="utf-8"?>
+<file path=ppt/notesSlides/notesSlide8.xml><?xml version="1.0" encoding="utf-8"?>
 <p:notes xmlns:a="http://schemas.openxmlformats.org/drawingml/2006/main" xmlns:r="http://schemas.openxmlformats.org/officeDocument/2006/relationships" xmlns:mc="http://schemas.openxmlformats.org/markup-compatibility/2006" xmlns:mv="urn:schemas-microsoft-com:mac:vml" xmlns:p="http://schemas.openxmlformats.org/presentationml/2006/main" xmlns:c="http://schemas.openxmlformats.org/drawingml/2006/chart" xmlns:dgm="http://schemas.openxmlformats.org/drawingml/2006/diagram" xmlns:o="urn:schemas-microsoft-com:office:office" xmlns:v="urn:schemas-microsoft-com:vml" xmlns:pvml="urn:schemas-microsoft-com:office:powerpoint" xmlns:com="http://schemas.openxmlformats.org/drawingml/2006/compatibility" xmlns:p14="http://schemas.microsoft.com/office/powerpoint/2010/main" xmlns:p15="http://schemas.microsoft.com/office/powerpoint/2012/main" showMasterPhAnim="0" showMasterSp="0">
   <p:cSld>
     <p:spTree>
       <p:nvGrpSpPr>
-        <p:cNvPr id="90" name="Shape 90"/>
+        <p:cNvPr id="97" name="Shape 97"/>
         <p:cNvGrpSpPr/>
         <p:nvPr/>
       </p:nvGrpSpPr>
@@ -1589,7 +1606,7 @@
       </p:grpSpPr>
       <p:sp>
         <p:nvSpPr>
-          <p:cNvPr id="91" name="Google Shape;91;g4f76e9aabe_0_238:notes"/>
+          <p:cNvPr id="98" name="Google Shape;98;g4f76e9aabe_0_118:notes"/>
           <p:cNvSpPr/>
           <p:nvPr>
             <p:ph idx="2" type="sldImg"/>
@@ -1624,7 +1641,7 @@
       </p:sp>
       <p:sp>
         <p:nvSpPr>
-          <p:cNvPr id="92" name="Google Shape;92;g4f76e9aabe_0_238:notes"/>
+          <p:cNvPr id="99" name="Google Shape;99;g4f76e9aabe_0_118:notes"/>
           <p:cNvSpPr txBox="1"/>
           <p:nvPr>
             <p:ph idx="1" type="body"/>
@@ -1669,12 +1686,12 @@
 </p:notes>
 </file>
 
-<file path=ppt/notesSlides/notesSlide8.xml><?xml version="1.0" encoding="utf-8"?>
+<file path=ppt/notesSlides/notesSlide9.xml><?xml version="1.0" encoding="utf-8"?>
 <p:notes xmlns:a="http://schemas.openxmlformats.org/drawingml/2006/main" xmlns:r="http://schemas.openxmlformats.org/officeDocument/2006/relationships" xmlns:mc="http://schemas.openxmlformats.org/markup-compatibility/2006" xmlns:mv="urn:schemas-microsoft-com:mac:vml" xmlns:p="http://schemas.openxmlformats.org/presentationml/2006/main" xmlns:c="http://schemas.openxmlformats.org/drawingml/2006/chart" xmlns:dgm="http://schemas.openxmlformats.org/drawingml/2006/diagram" xmlns:o="urn:schemas-microsoft-com:office:office" xmlns:v="urn:schemas-microsoft-com:vml" xmlns:pvml="urn:schemas-microsoft-com:office:powerpoint" xmlns:com="http://schemas.openxmlformats.org/drawingml/2006/compatibility" xmlns:p14="http://schemas.microsoft.com/office/powerpoint/2010/main" xmlns:p15="http://schemas.microsoft.com/office/powerpoint/2012/main" showMasterPhAnim="0" showMasterSp="0">
   <p:cSld>
     <p:spTree>
       <p:nvGrpSpPr>
-        <p:cNvPr id="96" name="Shape 96"/>
+        <p:cNvPr id="103" name="Shape 103"/>
         <p:cNvGrpSpPr/>
         <p:nvPr/>
       </p:nvGrpSpPr>
@@ -1688,7 +1705,7 @@
       </p:grpSpPr>
       <p:sp>
         <p:nvSpPr>
-          <p:cNvPr id="97" name="Google Shape;97;g4f76e9aabe_0_118:notes"/>
+          <p:cNvPr id="104" name="Google Shape;104;g4f76e9aabe_0_222:notes"/>
           <p:cNvSpPr/>
           <p:nvPr>
             <p:ph idx="2" type="sldImg"/>
@@ -1723,106 +1740,7 @@
       </p:sp>
       <p:sp>
         <p:nvSpPr>
-          <p:cNvPr id="98" name="Google Shape;98;g4f76e9aabe_0_118:notes"/>
-          <p:cNvSpPr txBox="1"/>
-          <p:nvPr>
-            <p:ph idx="1" type="body"/>
-          </p:nvPr>
-        </p:nvSpPr>
-        <p:spPr>
-          <a:xfrm>
-            <a:off x="685800" y="4343400"/>
-            <a:ext cx="5486400" cy="4114800"/>
-          </a:xfrm>
-          <a:prstGeom prst="rect">
-            <a:avLst/>
-          </a:prstGeom>
-        </p:spPr>
-        <p:txBody>
-          <a:bodyPr anchorCtr="0" anchor="t" bIns="91425" lIns="91425" spcFirstLastPara="1" rIns="91425" wrap="square" tIns="91425">
-            <a:noAutofit/>
-          </a:bodyPr>
-          <a:lstStyle/>
-          <a:p>
-            <a:pPr indent="0" lvl="0" marL="0" rtl="0" algn="l">
-              <a:spcBef>
-                <a:spcPts val="0"/>
-              </a:spcBef>
-              <a:spcAft>
-                <a:spcPts val="0"/>
-              </a:spcAft>
-              <a:buNone/>
-            </a:pPr>
-            <a:r>
-              <a:t/>
-            </a:r>
-            <a:endParaRPr/>
-          </a:p>
-        </p:txBody>
-      </p:sp>
-    </p:spTree>
-  </p:cSld>
-  <p:clrMapOvr>
-    <a:masterClrMapping/>
-  </p:clrMapOvr>
-</p:notes>
-</file>
-
-<file path=ppt/notesSlides/notesSlide9.xml><?xml version="1.0" encoding="utf-8"?>
-<p:notes xmlns:a="http://schemas.openxmlformats.org/drawingml/2006/main" xmlns:r="http://schemas.openxmlformats.org/officeDocument/2006/relationships" xmlns:mc="http://schemas.openxmlformats.org/markup-compatibility/2006" xmlns:mv="urn:schemas-microsoft-com:mac:vml" xmlns:p="http://schemas.openxmlformats.org/presentationml/2006/main" xmlns:c="http://schemas.openxmlformats.org/drawingml/2006/chart" xmlns:dgm="http://schemas.openxmlformats.org/drawingml/2006/diagram" xmlns:o="urn:schemas-microsoft-com:office:office" xmlns:v="urn:schemas-microsoft-com:vml" xmlns:pvml="urn:schemas-microsoft-com:office:powerpoint" xmlns:com="http://schemas.openxmlformats.org/drawingml/2006/compatibility" xmlns:p14="http://schemas.microsoft.com/office/powerpoint/2010/main" xmlns:p15="http://schemas.microsoft.com/office/powerpoint/2012/main" showMasterPhAnim="0" showMasterSp="0">
-  <p:cSld>
-    <p:spTree>
-      <p:nvGrpSpPr>
-        <p:cNvPr id="102" name="Shape 102"/>
-        <p:cNvGrpSpPr/>
-        <p:nvPr/>
-      </p:nvGrpSpPr>
-      <p:grpSpPr>
-        <a:xfrm>
-          <a:off x="0" y="0"/>
-          <a:ext cx="0" cy="0"/>
-          <a:chOff x="0" y="0"/>
-          <a:chExt cx="0" cy="0"/>
-        </a:xfrm>
-      </p:grpSpPr>
-      <p:sp>
-        <p:nvSpPr>
-          <p:cNvPr id="103" name="Google Shape;103;g4f76e9aabe_0_222:notes"/>
-          <p:cNvSpPr/>
-          <p:nvPr>
-            <p:ph idx="2" type="sldImg"/>
-          </p:nvPr>
-        </p:nvSpPr>
-        <p:spPr>
-          <a:xfrm>
-            <a:off x="381300" y="685800"/>
-            <a:ext cx="6096000" cy="3429000"/>
-          </a:xfrm>
-          <a:custGeom>
-            <a:rect b="b" l="l" r="r" t="t"/>
-            <a:pathLst>
-              <a:path extrusionOk="0" h="120000" w="120000">
-                <a:moveTo>
-                  <a:pt x="0" y="0"/>
-                </a:moveTo>
-                <a:lnTo>
-                  <a:pt x="120000" y="0"/>
-                </a:lnTo>
-                <a:lnTo>
-                  <a:pt x="120000" y="120000"/>
-                </a:lnTo>
-                <a:lnTo>
-                  <a:pt x="0" y="120000"/>
-                </a:lnTo>
-                <a:close/>
-              </a:path>
-            </a:pathLst>
-          </a:custGeom>
-        </p:spPr>
-      </p:sp>
-      <p:sp>
-        <p:nvSpPr>
-          <p:cNvPr id="104" name="Google Shape;104;g4f76e9aabe_0_222:notes"/>
+          <p:cNvPr id="105" name="Google Shape;105;g4f76e9aabe_0_222:notes"/>
           <p:cNvSpPr txBox="1"/>
           <p:nvPr>
             <p:ph idx="1" type="body"/>
@@ -6749,6 +6667,51 @@
           </a:p>
         </p:txBody>
       </p:sp>
+      <p:sp>
+        <p:nvSpPr>
+          <p:cNvPr id="59" name="Google Shape;59;p13"/>
+          <p:cNvSpPr txBox="1"/>
+          <p:nvPr/>
+        </p:nvSpPr>
+        <p:spPr>
+          <a:xfrm>
+            <a:off x="393700" y="3340100"/>
+            <a:ext cx="3492600" cy="279300"/>
+          </a:xfrm>
+          <a:prstGeom prst="rect">
+            <a:avLst/>
+          </a:prstGeom>
+          <a:noFill/>
+          <a:ln>
+            <a:noFill/>
+          </a:ln>
+        </p:spPr>
+        <p:txBody>
+          <a:bodyPr anchorCtr="0" anchor="t" bIns="91425" lIns="91425" spcFirstLastPara="1" rIns="91425" wrap="square" tIns="91425">
+            <a:noAutofit/>
+          </a:bodyPr>
+          <a:lstStyle/>
+          <a:p>
+            <a:pPr indent="0" lvl="0" marL="0" rtl="0" algn="l">
+              <a:spcBef>
+                <a:spcPts val="0"/>
+              </a:spcBef>
+              <a:spcAft>
+                <a:spcPts val="0"/>
+              </a:spcAft>
+              <a:buNone/>
+            </a:pPr>
+            <a:r>
+              <a:t/>
+            </a:r>
+            <a:endParaRPr>
+              <a:solidFill>
+                <a:srgbClr val="FFFFFF"/>
+              </a:solidFill>
+            </a:endParaRPr>
+          </a:p>
+        </p:txBody>
+      </p:sp>
     </p:spTree>
   </p:cSld>
   <p:clrMapOvr>
@@ -6762,7 +6725,7 @@
   <p:cSld>
     <p:spTree>
       <p:nvGrpSpPr>
-        <p:cNvPr id="111" name="Shape 111"/>
+        <p:cNvPr id="112" name="Shape 112"/>
         <p:cNvGrpSpPr/>
         <p:nvPr/>
       </p:nvGrpSpPr>
@@ -6776,7 +6739,7 @@
       </p:grpSpPr>
       <p:sp>
         <p:nvSpPr>
-          <p:cNvPr id="112" name="Google Shape;112;p22"/>
+          <p:cNvPr id="113" name="Google Shape;113;p22"/>
           <p:cNvSpPr txBox="1"/>
           <p:nvPr>
             <p:ph type="title"/>
@@ -6816,7 +6779,7 @@
       </p:sp>
       <p:sp>
         <p:nvSpPr>
-          <p:cNvPr id="113" name="Google Shape;113;p22"/>
+          <p:cNvPr id="114" name="Google Shape;114;p22"/>
           <p:cNvSpPr txBox="1"/>
           <p:nvPr>
             <p:ph idx="1" type="body"/>
@@ -6968,7 +6931,7 @@
   <p:cSld>
     <p:spTree>
       <p:nvGrpSpPr>
-        <p:cNvPr id="117" name="Shape 117"/>
+        <p:cNvPr id="118" name="Shape 118"/>
         <p:cNvGrpSpPr/>
         <p:nvPr/>
       </p:nvGrpSpPr>
@@ -6982,7 +6945,7 @@
       </p:grpSpPr>
       <p:sp>
         <p:nvSpPr>
-          <p:cNvPr id="118" name="Google Shape;118;p23"/>
+          <p:cNvPr id="119" name="Google Shape;119;p23"/>
           <p:cNvSpPr txBox="1"/>
           <p:nvPr>
             <p:ph type="title"/>
@@ -7022,7 +6985,7 @@
       </p:sp>
       <p:sp>
         <p:nvSpPr>
-          <p:cNvPr id="119" name="Google Shape;119;p23"/>
+          <p:cNvPr id="120" name="Google Shape;120;p23"/>
           <p:cNvSpPr txBox="1"/>
           <p:nvPr>
             <p:ph idx="1" type="body"/>
@@ -7225,12 +7188,12 @@
 </p:sld>
 </file>
 
-<file path=ppt/slides/slide12.xml><?xml version="1.0" encoding="utf-8"?>
+<file path=ppt/slides/slide2.xml><?xml version="1.0" encoding="utf-8"?>
 <p:sld xmlns:a="http://schemas.openxmlformats.org/drawingml/2006/main" xmlns:r="http://schemas.openxmlformats.org/officeDocument/2006/relationships" xmlns:mc="http://schemas.openxmlformats.org/markup-compatibility/2006" xmlns:mv="urn:schemas-microsoft-com:mac:vml" xmlns:p="http://schemas.openxmlformats.org/presentationml/2006/main" xmlns:c="http://schemas.openxmlformats.org/drawingml/2006/chart" xmlns:dgm="http://schemas.openxmlformats.org/drawingml/2006/diagram" xmlns:o="urn:schemas-microsoft-com:office:office" xmlns:v="urn:schemas-microsoft-com:vml" xmlns:pvml="urn:schemas-microsoft-com:office:powerpoint" xmlns:com="http://schemas.openxmlformats.org/drawingml/2006/compatibility" xmlns:p14="http://schemas.microsoft.com/office/powerpoint/2010/main" xmlns:p15="http://schemas.microsoft.com/office/powerpoint/2012/main">
   <p:cSld>
     <p:spTree>
       <p:nvGrpSpPr>
-        <p:cNvPr id="123" name="Shape 123"/>
+        <p:cNvPr id="63" name="Shape 63"/>
         <p:cNvGrpSpPr/>
         <p:nvPr/>
       </p:nvGrpSpPr>
@@ -7244,62 +7207,7 @@
       </p:grpSpPr>
       <p:sp>
         <p:nvSpPr>
-          <p:cNvPr id="124" name="Google Shape;124;p24"/>
-          <p:cNvSpPr txBox="1"/>
-          <p:nvPr>
-            <p:ph type="title"/>
-          </p:nvPr>
-        </p:nvSpPr>
-        <p:spPr>
-          <a:xfrm>
-            <a:off x="311700" y="445025"/>
-            <a:ext cx="8520600" cy="572700"/>
-          </a:xfrm>
-          <a:prstGeom prst="rect">
-            <a:avLst/>
-          </a:prstGeom>
-        </p:spPr>
-        <p:txBody>
-          <a:bodyPr anchorCtr="0" anchor="t" bIns="91425" lIns="91425" spcFirstLastPara="1" rIns="91425" wrap="square" tIns="91425">
-            <a:noAutofit/>
-          </a:bodyPr>
-          <a:lstStyle/>
-          <a:p>
-            <a:pPr indent="0" lvl="0" marL="0" rtl="0" algn="l">
-              <a:spcBef>
-                <a:spcPts val="0"/>
-              </a:spcBef>
-              <a:spcAft>
-                <a:spcPts val="0"/>
-              </a:spcAft>
-              <a:buNone/>
-            </a:pPr>
-            <a:r>
-              <a:rPr lang="en-GB"/>
-              <a:t>References:</a:t>
-            </a:r>
-            <a:endParaRPr/>
-          </a:p>
-          <a:p>
-            <a:pPr indent="0" lvl="0" marL="0" rtl="0" algn="l">
-              <a:spcBef>
-                <a:spcPts val="0"/>
-              </a:spcBef>
-              <a:spcAft>
-                <a:spcPts val="0"/>
-              </a:spcAft>
-              <a:buNone/>
-            </a:pPr>
-            <a:r>
-              <a:t/>
-            </a:r>
-            <a:endParaRPr/>
-          </a:p>
-        </p:txBody>
-      </p:sp>
-      <p:sp>
-        <p:nvSpPr>
-          <p:cNvPr id="125" name="Google Shape;125;p24"/>
+          <p:cNvPr id="64" name="Google Shape;64;p14"/>
           <p:cNvSpPr txBox="1"/>
           <p:nvPr>
             <p:ph idx="1" type="body"/>
@@ -7307,85 +7215,7 @@
         </p:nvSpPr>
         <p:spPr>
           <a:xfrm>
-            <a:off x="311700" y="1152475"/>
-            <a:ext cx="8520600" cy="3416400"/>
-          </a:xfrm>
-          <a:prstGeom prst="rect">
-            <a:avLst/>
-          </a:prstGeom>
-        </p:spPr>
-        <p:txBody>
-          <a:bodyPr anchorCtr="0" anchor="t" bIns="91425" lIns="91425" spcFirstLastPara="1" rIns="91425" wrap="square" tIns="91425">
-            <a:noAutofit/>
-          </a:bodyPr>
-          <a:lstStyle/>
-          <a:p>
-            <a:pPr indent="0" lvl="0" marL="0" rtl="0" algn="l">
-              <a:spcBef>
-                <a:spcPts val="0"/>
-              </a:spcBef>
-              <a:spcAft>
-                <a:spcPts val="1600"/>
-              </a:spcAft>
-              <a:buNone/>
-            </a:pPr>
-            <a:r>
-              <a:rPr lang="en-GB"/>
-              <a:t>[1] </a:t>
-            </a:r>
-            <a:r>
-              <a:rPr lang="en-GB" u="sng">
-                <a:solidFill>
-                  <a:schemeClr val="hlink"/>
-                </a:solidFill>
-                <a:hlinkClick r:id="rId3"/>
-              </a:rPr>
-              <a:t>https://mobisoftinfotech.com/resources/blog/hyperledger-fabric-and-hyperledger-composer-introduction-to-the-permissioned-blockchain-framework</a:t>
-            </a:r>
-            <a:r>
-              <a:rPr lang="en-GB"/>
-              <a:t>/</a:t>
-            </a:r>
-            <a:endParaRPr/>
-          </a:p>
-        </p:txBody>
-      </p:sp>
-    </p:spTree>
-  </p:cSld>
-  <p:clrMapOvr>
-    <a:masterClrMapping/>
-  </p:clrMapOvr>
-</p:sld>
-</file>
-
-<file path=ppt/slides/slide2.xml><?xml version="1.0" encoding="utf-8"?>
-<p:sld xmlns:a="http://schemas.openxmlformats.org/drawingml/2006/main" xmlns:r="http://schemas.openxmlformats.org/officeDocument/2006/relationships" xmlns:mc="http://schemas.openxmlformats.org/markup-compatibility/2006" xmlns:mv="urn:schemas-microsoft-com:mac:vml" xmlns:p="http://schemas.openxmlformats.org/presentationml/2006/main" xmlns:c="http://schemas.openxmlformats.org/drawingml/2006/chart" xmlns:dgm="http://schemas.openxmlformats.org/drawingml/2006/diagram" xmlns:o="urn:schemas-microsoft-com:office:office" xmlns:v="urn:schemas-microsoft-com:vml" xmlns:pvml="urn:schemas-microsoft-com:office:powerpoint" xmlns:com="http://schemas.openxmlformats.org/drawingml/2006/compatibility" xmlns:p14="http://schemas.microsoft.com/office/powerpoint/2010/main" xmlns:p15="http://schemas.microsoft.com/office/powerpoint/2012/main">
-  <p:cSld>
-    <p:spTree>
-      <p:nvGrpSpPr>
-        <p:cNvPr id="62" name="Shape 62"/>
-        <p:cNvGrpSpPr/>
-        <p:nvPr/>
-      </p:nvGrpSpPr>
-      <p:grpSpPr>
-        <a:xfrm>
-          <a:off x="0" y="0"/>
-          <a:ext cx="0" cy="0"/>
-          <a:chOff x="0" y="0"/>
-          <a:chExt cx="0" cy="0"/>
-        </a:xfrm>
-      </p:grpSpPr>
-      <p:sp>
-        <p:nvSpPr>
-          <p:cNvPr id="63" name="Google Shape;63;p14"/>
-          <p:cNvSpPr txBox="1"/>
-          <p:nvPr>
-            <p:ph idx="1" type="body"/>
-          </p:nvPr>
-        </p:nvSpPr>
-        <p:spPr>
-          <a:xfrm>
-            <a:off x="225750" y="2004058"/>
+            <a:off x="225750" y="2063708"/>
             <a:ext cx="8692500" cy="2508300"/>
           </a:xfrm>
           <a:prstGeom prst="rect">
@@ -7469,7 +7299,7 @@
             </a:pPr>
             <a:r>
               <a:rPr lang="en-GB"/>
-              <a:t>Pluggable structure with main components : </a:t>
+              <a:t>Pluggable, modular structure with main components : </a:t>
             </a:r>
             <a:endParaRPr/>
           </a:p>
@@ -7528,7 +7358,7 @@
       </p:sp>
       <p:sp>
         <p:nvSpPr>
-          <p:cNvPr id="64" name="Google Shape;64;p14"/>
+          <p:cNvPr id="65" name="Google Shape;65;p14"/>
           <p:cNvSpPr txBox="1"/>
           <p:nvPr/>
         </p:nvSpPr>
@@ -7569,7 +7399,7 @@
       </p:sp>
       <p:pic>
         <p:nvPicPr>
-          <p:cNvPr id="65" name="Google Shape;65;p14"/>
+          <p:cNvPr id="66" name="Google Shape;66;p14"/>
           <p:cNvPicPr preferRelativeResize="0"/>
           <p:nvPr/>
         </p:nvPicPr>
@@ -7608,7 +7438,7 @@
   <p:cSld>
     <p:spTree>
       <p:nvGrpSpPr>
-        <p:cNvPr id="69" name="Shape 69"/>
+        <p:cNvPr id="70" name="Shape 70"/>
         <p:cNvGrpSpPr/>
         <p:nvPr/>
       </p:nvGrpSpPr>
@@ -7622,7 +7452,7 @@
       </p:grpSpPr>
       <p:sp>
         <p:nvSpPr>
-          <p:cNvPr id="70" name="Google Shape;70;p15"/>
+          <p:cNvPr id="71" name="Google Shape;71;p15"/>
           <p:cNvSpPr txBox="1"/>
           <p:nvPr>
             <p:ph idx="1" type="body"/>
@@ -7769,7 +7599,7 @@
       </p:sp>
       <p:pic>
         <p:nvPicPr>
-          <p:cNvPr id="71" name="Google Shape;71;p15"/>
+          <p:cNvPr id="72" name="Google Shape;72;p15"/>
           <p:cNvPicPr preferRelativeResize="0"/>
           <p:nvPr/>
         </p:nvPicPr>
@@ -7808,7 +7638,7 @@
   <p:cSld>
     <p:spTree>
       <p:nvGrpSpPr>
-        <p:cNvPr id="75" name="Shape 75"/>
+        <p:cNvPr id="76" name="Shape 76"/>
         <p:cNvGrpSpPr/>
         <p:nvPr/>
       </p:nvGrpSpPr>
@@ -7822,7 +7652,7 @@
       </p:grpSpPr>
       <p:pic>
         <p:nvPicPr>
-          <p:cNvPr id="76" name="Google Shape;76;p16"/>
+          <p:cNvPr id="77" name="Google Shape;77;p16"/>
           <p:cNvPicPr preferRelativeResize="0"/>
           <p:nvPr/>
         </p:nvPicPr>
@@ -7850,7 +7680,7 @@
       </p:pic>
       <p:sp>
         <p:nvSpPr>
-          <p:cNvPr id="77" name="Google Shape;77;p16"/>
+          <p:cNvPr id="78" name="Google Shape;78;p16"/>
           <p:cNvSpPr txBox="1"/>
           <p:nvPr/>
         </p:nvSpPr>
@@ -7931,7 +7761,7 @@
   <p:cSld>
     <p:spTree>
       <p:nvGrpSpPr>
-        <p:cNvPr id="81" name="Shape 81"/>
+        <p:cNvPr id="82" name="Shape 82"/>
         <p:cNvGrpSpPr/>
         <p:nvPr/>
       </p:nvGrpSpPr>
@@ -7945,7 +7775,7 @@
       </p:grpSpPr>
       <p:sp>
         <p:nvSpPr>
-          <p:cNvPr id="82" name="Google Shape;82;p17"/>
+          <p:cNvPr id="83" name="Google Shape;83;p17"/>
           <p:cNvSpPr txBox="1"/>
           <p:nvPr>
             <p:ph type="title"/>
@@ -7985,7 +7815,7 @@
       </p:sp>
       <p:pic>
         <p:nvPicPr>
-          <p:cNvPr id="83" name="Google Shape;83;p17"/>
+          <p:cNvPr id="84" name="Google Shape;84;p17"/>
           <p:cNvPicPr preferRelativeResize="0"/>
           <p:nvPr/>
         </p:nvPicPr>
@@ -8024,7 +7854,7 @@
   <p:cSld>
     <p:spTree>
       <p:nvGrpSpPr>
-        <p:cNvPr id="87" name="Shape 87"/>
+        <p:cNvPr id="88" name="Shape 88"/>
         <p:cNvGrpSpPr/>
         <p:nvPr/>
       </p:nvGrpSpPr>
@@ -8038,7 +7868,211 @@
       </p:grpSpPr>
       <p:sp>
         <p:nvSpPr>
-          <p:cNvPr id="88" name="Google Shape;88;p18"/>
+          <p:cNvPr id="89" name="Google Shape;89;p18"/>
+          <p:cNvSpPr txBox="1"/>
+          <p:nvPr>
+            <p:ph idx="1" type="body"/>
+          </p:nvPr>
+        </p:nvSpPr>
+        <p:spPr>
+          <a:xfrm>
+            <a:off x="311688" y="2146200"/>
+            <a:ext cx="8520600" cy="2133600"/>
+          </a:xfrm>
+          <a:prstGeom prst="rect">
+            <a:avLst/>
+          </a:prstGeom>
+        </p:spPr>
+        <p:txBody>
+          <a:bodyPr anchorCtr="0" anchor="t" bIns="91425" lIns="91425" spcFirstLastPara="1" rIns="91425" wrap="square" tIns="91425">
+            <a:noAutofit/>
+          </a:bodyPr>
+          <a:lstStyle/>
+          <a:p>
+            <a:pPr indent="-342900" lvl="0" marL="457200" rtl="0" algn="l">
+              <a:spcBef>
+                <a:spcPts val="0"/>
+              </a:spcBef>
+              <a:spcAft>
+                <a:spcPts val="0"/>
+              </a:spcAft>
+              <a:buSzPts val="1800"/>
+              <a:buChar char="❖"/>
+            </a:pPr>
+            <a:r>
+              <a:rPr lang="en-GB"/>
+              <a:t>It was aiming for creating </a:t>
+            </a:r>
+            <a:r>
+              <a:rPr lang="en-GB"/>
+              <a:t>blockchain agnostic</a:t>
+            </a:r>
+            <a:r>
+              <a:rPr lang="en-GB"/>
+              <a:t> business networks (with primary implementing on Fabric) </a:t>
+            </a:r>
+            <a:endParaRPr/>
+          </a:p>
+          <a:p>
+            <a:pPr indent="-342900" lvl="0" marL="457200" rtl="0" algn="l">
+              <a:spcBef>
+                <a:spcPts val="0"/>
+              </a:spcBef>
+              <a:spcAft>
+                <a:spcPts val="0"/>
+              </a:spcAft>
+              <a:buSzPts val="1800"/>
+              <a:buChar char="❖"/>
+            </a:pPr>
+            <a:r>
+              <a:rPr lang="en-GB"/>
+              <a:t>Easy to use </a:t>
+            </a:r>
+            <a:endParaRPr/>
+          </a:p>
+          <a:p>
+            <a:pPr indent="-342900" lvl="0" marL="457200" rtl="0" algn="l">
+              <a:spcBef>
+                <a:spcPts val="0"/>
+              </a:spcBef>
+              <a:spcAft>
+                <a:spcPts val="0"/>
+              </a:spcAft>
+              <a:buSzPts val="1800"/>
+              <a:buChar char="❖"/>
+            </a:pPr>
+            <a:r>
+              <a:rPr lang="en-GB"/>
+              <a:t>Creating business network out of 3 main files :</a:t>
+            </a:r>
+            <a:endParaRPr/>
+          </a:p>
+          <a:p>
+            <a:pPr indent="-317500" lvl="1" marL="914400" rtl="0" algn="l">
+              <a:spcBef>
+                <a:spcPts val="0"/>
+              </a:spcBef>
+              <a:spcAft>
+                <a:spcPts val="0"/>
+              </a:spcAft>
+              <a:buSzPts val="1400"/>
+              <a:buChar char="➢"/>
+            </a:pPr>
+            <a:r>
+              <a:rPr lang="en-GB"/>
+              <a:t>Model file </a:t>
+            </a:r>
+            <a:endParaRPr/>
+          </a:p>
+          <a:p>
+            <a:pPr indent="-317500" lvl="1" marL="914400" rtl="0" algn="l">
+              <a:spcBef>
+                <a:spcPts val="0"/>
+              </a:spcBef>
+              <a:spcAft>
+                <a:spcPts val="0"/>
+              </a:spcAft>
+              <a:buSzPts val="1400"/>
+              <a:buChar char="➢"/>
+            </a:pPr>
+            <a:r>
+              <a:rPr lang="en-GB"/>
+              <a:t>Logic file (JS) </a:t>
+            </a:r>
+            <a:endParaRPr/>
+          </a:p>
+          <a:p>
+            <a:pPr indent="-317500" lvl="1" marL="914400" rtl="0" algn="l">
+              <a:spcBef>
+                <a:spcPts val="0"/>
+              </a:spcBef>
+              <a:spcAft>
+                <a:spcPts val="0"/>
+              </a:spcAft>
+              <a:buSzPts val="1400"/>
+              <a:buChar char="➢"/>
+            </a:pPr>
+            <a:r>
+              <a:rPr lang="en-GB"/>
+              <a:t>Permissions file</a:t>
+            </a:r>
+            <a:endParaRPr/>
+          </a:p>
+          <a:p>
+            <a:pPr indent="-317500" lvl="1" marL="914400" rtl="0" algn="l">
+              <a:spcBef>
+                <a:spcPts val="0"/>
+              </a:spcBef>
+              <a:spcAft>
+                <a:spcPts val="0"/>
+              </a:spcAft>
+              <a:buSzPts val="1400"/>
+              <a:buChar char="➢"/>
+            </a:pPr>
+            <a:r>
+              <a:rPr lang="en-GB"/>
+              <a:t>It has Query files as well if needed </a:t>
+            </a:r>
+            <a:endParaRPr/>
+          </a:p>
+        </p:txBody>
+      </p:sp>
+      <p:pic>
+        <p:nvPicPr>
+          <p:cNvPr id="90" name="Google Shape;90;p18"/>
+          <p:cNvPicPr preferRelativeResize="0"/>
+          <p:nvPr/>
+        </p:nvPicPr>
+        <p:blipFill>
+          <a:blip r:embed="rId3">
+            <a:alphaModFix/>
+          </a:blip>
+          <a:stretch>
+            <a:fillRect/>
+          </a:stretch>
+        </p:blipFill>
+        <p:spPr>
+          <a:xfrm>
+            <a:off x="1214450" y="381525"/>
+            <a:ext cx="6715123" cy="1447175"/>
+          </a:xfrm>
+          <a:prstGeom prst="rect">
+            <a:avLst/>
+          </a:prstGeom>
+          <a:noFill/>
+          <a:ln>
+            <a:noFill/>
+          </a:ln>
+        </p:spPr>
+      </p:pic>
+    </p:spTree>
+  </p:cSld>
+  <p:clrMapOvr>
+    <a:masterClrMapping/>
+  </p:clrMapOvr>
+</p:sld>
+</file>
+
+<file path=ppt/slides/slide7.xml><?xml version="1.0" encoding="utf-8"?>
+<p:sld xmlns:a="http://schemas.openxmlformats.org/drawingml/2006/main" xmlns:r="http://schemas.openxmlformats.org/officeDocument/2006/relationships" xmlns:mc="http://schemas.openxmlformats.org/markup-compatibility/2006" xmlns:mv="urn:schemas-microsoft-com:mac:vml" xmlns:p="http://schemas.openxmlformats.org/presentationml/2006/main" xmlns:c="http://schemas.openxmlformats.org/drawingml/2006/chart" xmlns:dgm="http://schemas.openxmlformats.org/drawingml/2006/diagram" xmlns:o="urn:schemas-microsoft-com:office:office" xmlns:v="urn:schemas-microsoft-com:vml" xmlns:pvml="urn:schemas-microsoft-com:office:powerpoint" xmlns:com="http://schemas.openxmlformats.org/drawingml/2006/compatibility" xmlns:p14="http://schemas.microsoft.com/office/powerpoint/2010/main" xmlns:p15="http://schemas.microsoft.com/office/powerpoint/2012/main">
+  <p:cSld>
+    <p:spTree>
+      <p:nvGrpSpPr>
+        <p:cNvPr id="94" name="Shape 94"/>
+        <p:cNvGrpSpPr/>
+        <p:nvPr/>
+      </p:nvGrpSpPr>
+      <p:grpSpPr>
+        <a:xfrm>
+          <a:off x="0" y="0"/>
+          <a:ext cx="0" cy="0"/>
+          <a:chOff x="0" y="0"/>
+          <a:chExt cx="0" cy="0"/>
+        </a:xfrm>
+      </p:grpSpPr>
+      <p:sp>
+        <p:nvSpPr>
+          <p:cNvPr id="95" name="Google Shape;95;p19"/>
           <p:cNvSpPr txBox="1"/>
           <p:nvPr>
             <p:ph type="title"/>
@@ -8070,154 +8104,6 @@
             </a:pPr>
             <a:r>
               <a:rPr lang="en-GB"/>
-              <a:t>Hyperledger Composer</a:t>
-            </a:r>
-            <a:endParaRPr/>
-          </a:p>
-        </p:txBody>
-      </p:sp>
-      <p:sp>
-        <p:nvSpPr>
-          <p:cNvPr id="89" name="Google Shape;89;p18"/>
-          <p:cNvSpPr txBox="1"/>
-          <p:nvPr>
-            <p:ph idx="1" type="body"/>
-          </p:nvPr>
-        </p:nvSpPr>
-        <p:spPr>
-          <a:xfrm>
-            <a:off x="311700" y="1152475"/>
-            <a:ext cx="8520600" cy="3416400"/>
-          </a:xfrm>
-          <a:prstGeom prst="rect">
-            <a:avLst/>
-          </a:prstGeom>
-        </p:spPr>
-        <p:txBody>
-          <a:bodyPr anchorCtr="0" anchor="t" bIns="91425" lIns="91425" spcFirstLastPara="1" rIns="91425" wrap="square" tIns="91425">
-            <a:noAutofit/>
-          </a:bodyPr>
-          <a:lstStyle/>
-          <a:p>
-            <a:pPr indent="-342900" lvl="0" marL="457200" rtl="0" algn="l">
-              <a:spcBef>
-                <a:spcPts val="0"/>
-              </a:spcBef>
-              <a:spcAft>
-                <a:spcPts val="0"/>
-              </a:spcAft>
-              <a:buSzPts val="1800"/>
-              <a:buChar char="❖"/>
-            </a:pPr>
-            <a:r>
-              <a:rPr lang="en-GB"/>
-              <a:t>It was aiming for creating </a:t>
-            </a:r>
-            <a:r>
-              <a:rPr lang="en-GB"/>
-              <a:t>blockchain agnostic</a:t>
-            </a:r>
-            <a:r>
-              <a:rPr lang="en-GB"/>
-              <a:t> business networks (with primary implementing on Fabric) </a:t>
-            </a:r>
-            <a:endParaRPr/>
-          </a:p>
-          <a:p>
-            <a:pPr indent="-342900" lvl="0" marL="457200" rtl="0" algn="l">
-              <a:spcBef>
-                <a:spcPts val="0"/>
-              </a:spcBef>
-              <a:spcAft>
-                <a:spcPts val="0"/>
-              </a:spcAft>
-              <a:buSzPts val="1800"/>
-              <a:buChar char="❖"/>
-            </a:pPr>
-            <a:r>
-              <a:rPr lang="en-GB"/>
-              <a:t>Easy to use </a:t>
-            </a:r>
-            <a:endParaRPr/>
-          </a:p>
-          <a:p>
-            <a:pPr indent="-342900" lvl="0" marL="457200" rtl="0" algn="l">
-              <a:spcBef>
-                <a:spcPts val="0"/>
-              </a:spcBef>
-              <a:spcAft>
-                <a:spcPts val="0"/>
-              </a:spcAft>
-              <a:buSzPts val="1800"/>
-              <a:buChar char="❖"/>
-            </a:pPr>
-            <a:r>
-              <a:rPr lang="en-GB"/>
-              <a:t>Creating business network out of 3 files : Model file, Logic file (JS) and Permissions file, it has Query files as well if needed </a:t>
-            </a:r>
-            <a:endParaRPr/>
-          </a:p>
-        </p:txBody>
-      </p:sp>
-    </p:spTree>
-  </p:cSld>
-  <p:clrMapOvr>
-    <a:masterClrMapping/>
-  </p:clrMapOvr>
-</p:sld>
-</file>
-
-<file path=ppt/slides/slide7.xml><?xml version="1.0" encoding="utf-8"?>
-<p:sld xmlns:a="http://schemas.openxmlformats.org/drawingml/2006/main" xmlns:r="http://schemas.openxmlformats.org/officeDocument/2006/relationships" xmlns:mc="http://schemas.openxmlformats.org/markup-compatibility/2006" xmlns:mv="urn:schemas-microsoft-com:mac:vml" xmlns:p="http://schemas.openxmlformats.org/presentationml/2006/main" xmlns:c="http://schemas.openxmlformats.org/drawingml/2006/chart" xmlns:dgm="http://schemas.openxmlformats.org/drawingml/2006/diagram" xmlns:o="urn:schemas-microsoft-com:office:office" xmlns:v="urn:schemas-microsoft-com:vml" xmlns:pvml="urn:schemas-microsoft-com:office:powerpoint" xmlns:com="http://schemas.openxmlformats.org/drawingml/2006/compatibility" xmlns:p14="http://schemas.microsoft.com/office/powerpoint/2010/main" xmlns:p15="http://schemas.microsoft.com/office/powerpoint/2012/main">
-  <p:cSld>
-    <p:spTree>
-      <p:nvGrpSpPr>
-        <p:cNvPr id="93" name="Shape 93"/>
-        <p:cNvGrpSpPr/>
-        <p:nvPr/>
-      </p:nvGrpSpPr>
-      <p:grpSpPr>
-        <a:xfrm>
-          <a:off x="0" y="0"/>
-          <a:ext cx="0" cy="0"/>
-          <a:chOff x="0" y="0"/>
-          <a:chExt cx="0" cy="0"/>
-        </a:xfrm>
-      </p:grpSpPr>
-      <p:sp>
-        <p:nvSpPr>
-          <p:cNvPr id="94" name="Google Shape;94;p19"/>
-          <p:cNvSpPr txBox="1"/>
-          <p:nvPr>
-            <p:ph type="title"/>
-          </p:nvPr>
-        </p:nvSpPr>
-        <p:spPr>
-          <a:xfrm>
-            <a:off x="311700" y="445025"/>
-            <a:ext cx="8520600" cy="572700"/>
-          </a:xfrm>
-          <a:prstGeom prst="rect">
-            <a:avLst/>
-          </a:prstGeom>
-        </p:spPr>
-        <p:txBody>
-          <a:bodyPr anchorCtr="0" anchor="t" bIns="91425" lIns="91425" spcFirstLastPara="1" rIns="91425" wrap="square" tIns="91425">
-            <a:noAutofit/>
-          </a:bodyPr>
-          <a:lstStyle/>
-          <a:p>
-            <a:pPr indent="0" lvl="0" marL="0" rtl="0" algn="l">
-              <a:spcBef>
-                <a:spcPts val="0"/>
-              </a:spcBef>
-              <a:spcAft>
-                <a:spcPts val="0"/>
-              </a:spcAft>
-              <a:buNone/>
-            </a:pPr>
-            <a:r>
-              <a:rPr lang="en-GB"/>
               <a:t>Composer to Fabric flow </a:t>
             </a:r>
             <a:endParaRPr/>
@@ -8226,7 +8112,7 @@
       </p:sp>
       <p:pic>
         <p:nvPicPr>
-          <p:cNvPr id="95" name="Google Shape;95;p19"/>
+          <p:cNvPr id="96" name="Google Shape;96;p19"/>
           <p:cNvPicPr preferRelativeResize="0"/>
           <p:nvPr/>
         </p:nvPicPr>
@@ -8265,7 +8151,7 @@
   <p:cSld>
     <p:spTree>
       <p:nvGrpSpPr>
-        <p:cNvPr id="99" name="Shape 99"/>
+        <p:cNvPr id="100" name="Shape 100"/>
         <p:cNvGrpSpPr/>
         <p:nvPr/>
       </p:nvGrpSpPr>
@@ -8279,7 +8165,7 @@
       </p:grpSpPr>
       <p:sp>
         <p:nvSpPr>
-          <p:cNvPr id="100" name="Google Shape;100;p20"/>
+          <p:cNvPr id="101" name="Google Shape;101;p20"/>
           <p:cNvSpPr txBox="1"/>
           <p:nvPr>
             <p:ph type="title"/>
@@ -8319,7 +8205,7 @@
       </p:sp>
       <p:sp>
         <p:nvSpPr>
-          <p:cNvPr id="101" name="Google Shape;101;p20"/>
+          <p:cNvPr id="102" name="Google Shape;102;p20"/>
           <p:cNvSpPr txBox="1"/>
           <p:nvPr>
             <p:ph idx="1" type="body"/>
@@ -8413,7 +8299,7 @@
   <p:cSld>
     <p:spTree>
       <p:nvGrpSpPr>
-        <p:cNvPr id="105" name="Shape 105"/>
+        <p:cNvPr id="106" name="Shape 106"/>
         <p:cNvGrpSpPr/>
         <p:nvPr/>
       </p:nvGrpSpPr>
@@ -8427,7 +8313,7 @@
       </p:grpSpPr>
       <p:sp>
         <p:nvSpPr>
-          <p:cNvPr id="106" name="Google Shape;106;p21"/>
+          <p:cNvPr id="107" name="Google Shape;107;p21"/>
           <p:cNvSpPr txBox="1"/>
           <p:nvPr>
             <p:ph type="title"/>
@@ -8467,7 +8353,7 @@
       </p:sp>
       <p:sp>
         <p:nvSpPr>
-          <p:cNvPr id="107" name="Google Shape;107;p21"/>
+          <p:cNvPr id="108" name="Google Shape;108;p21"/>
           <p:cNvSpPr txBox="1"/>
           <p:nvPr>
             <p:ph idx="1" type="body"/>
@@ -8554,6 +8440,285 @@
 </file>
 
 <file path=ppt/theme/theme1.xml><?xml version="1.0" encoding="utf-8"?>
+<a:theme xmlns:a="http://schemas.openxmlformats.org/drawingml/2006/main" xmlns:r="http://schemas.openxmlformats.org/officeDocument/2006/relationships">
+  <a:themeElements>
+    <a:clrScheme name="Default">
+      <a:dk1>
+        <a:srgbClr val="000000"/>
+      </a:dk1>
+      <a:lt1>
+        <a:srgbClr val="FFFFFF"/>
+      </a:lt1>
+      <a:dk2>
+        <a:srgbClr val="158158"/>
+      </a:dk2>
+      <a:lt2>
+        <a:srgbClr val="F3F3F3"/>
+      </a:lt2>
+      <a:accent1>
+        <a:srgbClr val="058DC7"/>
+      </a:accent1>
+      <a:accent2>
+        <a:srgbClr val="50B432"/>
+      </a:accent2>
+      <a:accent3>
+        <a:srgbClr val="ED561B"/>
+      </a:accent3>
+      <a:accent4>
+        <a:srgbClr val="EDEF00"/>
+      </a:accent4>
+      <a:accent5>
+        <a:srgbClr val="24CBE5"/>
+      </a:accent5>
+      <a:accent6>
+        <a:srgbClr val="64E572"/>
+      </a:accent6>
+      <a:hlink>
+        <a:srgbClr val="2200CC"/>
+      </a:hlink>
+      <a:folHlink>
+        <a:srgbClr val="551A8B"/>
+      </a:folHlink>
+    </a:clrScheme>
+    <a:fontScheme name="Office">
+      <a:majorFont>
+        <a:latin typeface="Arial"/>
+        <a:ea typeface=""/>
+        <a:cs typeface=""/>
+        <a:font script="Jpan" typeface="ＭＳ Ｐゴシック"/>
+        <a:font script="Hang" typeface="맑은 고딕"/>
+        <a:font script="Hans" typeface="宋体"/>
+        <a:font script="Hant" typeface="新細明體"/>
+        <a:font script="Arab" typeface="Times New Roman"/>
+        <a:font script="Hebr" typeface="Times New Roman"/>
+        <a:font script="Thai" typeface="Angsana New"/>
+        <a:font script="Ethi" typeface="Nyala"/>
+        <a:font script="Beng" typeface="Vrinda"/>
+        <a:font script="Gujr" typeface="Shruti"/>
+        <a:font script="Khmr" typeface="MoolBoran"/>
+        <a:font script="Knda" typeface="Tunga"/>
+        <a:font script="Guru" typeface="Raavi"/>
+        <a:font script="Cans" typeface="Euphemia"/>
+        <a:font script="Cher" typeface="Plantagenet Cherokee"/>
+        <a:font script="Yiii" typeface="Microsoft Yi Baiti"/>
+        <a:font script="Tibt" typeface="Microsoft Himalaya"/>
+        <a:font script="Thaa" typeface="MV Boli"/>
+        <a:font script="Deva" typeface="Mangal"/>
+        <a:font script="Telu" typeface="Gautami"/>
+        <a:font script="Taml" typeface="Latha"/>
+        <a:font script="Syrc" typeface="Estrangelo Edessa"/>
+        <a:font script="Orya" typeface="Kalinga"/>
+        <a:font script="Mlym" typeface="Kartika"/>
+        <a:font script="Laoo" typeface="DokChampa"/>
+        <a:font script="Sinh" typeface="Iskoola Pota"/>
+        <a:font script="Mong" typeface="Mongolian Baiti"/>
+        <a:font script="Viet" typeface="Times New Roman"/>
+        <a:font script="Uigh" typeface="Microsoft Uighur"/>
+        <a:font script="Geor" typeface="Sylfaen"/>
+      </a:majorFont>
+      <a:minorFont>
+        <a:latin typeface="Arial"/>
+        <a:ea typeface=""/>
+        <a:cs typeface=""/>
+        <a:font script="Jpan" typeface="ＭＳ Ｐゴシック"/>
+        <a:font script="Hang" typeface="맑은 고딕"/>
+        <a:font script="Hans" typeface="宋体"/>
+        <a:font script="Hant" typeface="新細明體"/>
+        <a:font script="Arab" typeface="Arial"/>
+        <a:font script="Hebr" typeface="Arial"/>
+        <a:font script="Thai" typeface="Cordia New"/>
+        <a:font script="Ethi" typeface="Nyala"/>
+        <a:font script="Beng" typeface="Vrinda"/>
+        <a:font script="Gujr" typeface="Shruti"/>
+        <a:font script="Khmr" typeface="DaunPenh"/>
+        <a:font script="Knda" typeface="Tunga"/>
+        <a:font script="Guru" typeface="Raavi"/>
+        <a:font script="Cans" typeface="Euphemia"/>
+        <a:font script="Cher" typeface="Plantagenet Cherokee"/>
+        <a:font script="Yiii" typeface="Microsoft Yi Baiti"/>
+        <a:font script="Tibt" typeface="Microsoft Himalaya"/>
+        <a:font script="Thaa" typeface="MV Boli"/>
+        <a:font script="Deva" typeface="Mangal"/>
+        <a:font script="Telu" typeface="Gautami"/>
+        <a:font script="Taml" typeface="Latha"/>
+        <a:font script="Syrc" typeface="Estrangelo Edessa"/>
+        <a:font script="Orya" typeface="Kalinga"/>
+        <a:font script="Mlym" typeface="Kartika"/>
+        <a:font script="Laoo" typeface="DokChampa"/>
+        <a:font script="Sinh" typeface="Iskoola Pota"/>
+        <a:font script="Mong" typeface="Mongolian Baiti"/>
+        <a:font script="Viet" typeface="Arial"/>
+        <a:font script="Uigh" typeface="Microsoft Uighur"/>
+        <a:font script="Geor" typeface="Sylfaen"/>
+      </a:minorFont>
+    </a:fontScheme>
+    <a:fmtScheme name="Office">
+      <a:fillStyleLst>
+        <a:solidFill>
+          <a:schemeClr val="phClr"/>
+        </a:solidFill>
+        <a:gradFill rotWithShape="1">
+          <a:gsLst>
+            <a:gs pos="0">
+              <a:schemeClr val="phClr">
+                <a:tint val="50000"/>
+                <a:satMod val="300000"/>
+              </a:schemeClr>
+            </a:gs>
+            <a:gs pos="35000">
+              <a:schemeClr val="phClr">
+                <a:tint val="37000"/>
+                <a:satMod val="300000"/>
+              </a:schemeClr>
+            </a:gs>
+            <a:gs pos="100000">
+              <a:schemeClr val="phClr">
+                <a:tint val="15000"/>
+                <a:satMod val="350000"/>
+              </a:schemeClr>
+            </a:gs>
+          </a:gsLst>
+          <a:lin ang="16200000" scaled="1"/>
+        </a:gradFill>
+        <a:gradFill rotWithShape="1">
+          <a:gsLst>
+            <a:gs pos="0">
+              <a:schemeClr val="phClr">
+                <a:tint val="100000"/>
+                <a:shade val="100000"/>
+                <a:satMod val="130000"/>
+              </a:schemeClr>
+            </a:gs>
+            <a:gs pos="100000">
+              <a:schemeClr val="phClr">
+                <a:tint val="50000"/>
+                <a:shade val="100000"/>
+                <a:satMod val="350000"/>
+              </a:schemeClr>
+            </a:gs>
+          </a:gsLst>
+          <a:lin ang="16200000" scaled="0"/>
+        </a:gradFill>
+      </a:fillStyleLst>
+      <a:lnStyleLst>
+        <a:ln w="9525" cap="flat" cmpd="sng" algn="ctr">
+          <a:solidFill>
+            <a:schemeClr val="phClr">
+              <a:shade val="95000"/>
+              <a:satMod val="105000"/>
+            </a:schemeClr>
+          </a:solidFill>
+          <a:prstDash val="solid"/>
+        </a:ln>
+        <a:ln w="25400" cap="flat" cmpd="sng" algn="ctr">
+          <a:solidFill>
+            <a:schemeClr val="phClr"/>
+          </a:solidFill>
+          <a:prstDash val="solid"/>
+        </a:ln>
+        <a:ln w="38100" cap="flat" cmpd="sng" algn="ctr">
+          <a:solidFill>
+            <a:schemeClr val="phClr"/>
+          </a:solidFill>
+          <a:prstDash val="solid"/>
+        </a:ln>
+      </a:lnStyleLst>
+      <a:effectStyleLst>
+        <a:effectStyle>
+          <a:effectLst>
+            <a:outerShdw blurRad="40000" dist="20000" dir="5400000" rotWithShape="0">
+              <a:srgbClr val="000000">
+                <a:alpha val="38000"/>
+              </a:srgbClr>
+            </a:outerShdw>
+          </a:effectLst>
+        </a:effectStyle>
+        <a:effectStyle>
+          <a:effectLst>
+            <a:outerShdw blurRad="40000" dist="23000" dir="5400000" rotWithShape="0">
+              <a:srgbClr val="000000">
+                <a:alpha val="35000"/>
+              </a:srgbClr>
+            </a:outerShdw>
+          </a:effectLst>
+        </a:effectStyle>
+        <a:effectStyle>
+          <a:effectLst>
+            <a:outerShdw blurRad="40000" dist="23000" dir="5400000" rotWithShape="0">
+              <a:srgbClr val="000000">
+                <a:alpha val="35000"/>
+              </a:srgbClr>
+            </a:outerShdw>
+          </a:effectLst>
+          <a:scene3d>
+            <a:camera prst="orthographicFront">
+              <a:rot lat="0" lon="0" rev="0"/>
+            </a:camera>
+            <a:lightRig rig="threePt" dir="t">
+              <a:rot lat="0" lon="0" rev="1200000"/>
+            </a:lightRig>
+          </a:scene3d>
+          <a:sp3d>
+            <a:bevelT w="63500" h="25400"/>
+          </a:sp3d>
+        </a:effectStyle>
+      </a:effectStyleLst>
+      <a:bgFillStyleLst>
+        <a:solidFill>
+          <a:schemeClr val="phClr"/>
+        </a:solidFill>
+        <a:gradFill rotWithShape="1">
+          <a:gsLst>
+            <a:gs pos="0">
+              <a:schemeClr val="phClr">
+                <a:tint val="40000"/>
+                <a:satMod val="350000"/>
+              </a:schemeClr>
+            </a:gs>
+            <a:gs pos="40000">
+              <a:schemeClr val="phClr">
+                <a:tint val="45000"/>
+                <a:shade val="99000"/>
+                <a:satMod val="350000"/>
+              </a:schemeClr>
+            </a:gs>
+            <a:gs pos="100000">
+              <a:schemeClr val="phClr">
+                <a:shade val="20000"/>
+                <a:satMod val="255000"/>
+              </a:schemeClr>
+            </a:gs>
+          </a:gsLst>
+          <a:path path="circle">
+            <a:fillToRect l="50000" t="-80000" r="50000" b="180000"/>
+          </a:path>
+        </a:gradFill>
+        <a:gradFill rotWithShape="1">
+          <a:gsLst>
+            <a:gs pos="0">
+              <a:schemeClr val="phClr">
+                <a:tint val="80000"/>
+                <a:satMod val="300000"/>
+              </a:schemeClr>
+            </a:gs>
+            <a:gs pos="100000">
+              <a:schemeClr val="phClr">
+                <a:shade val="30000"/>
+                <a:satMod val="200000"/>
+              </a:schemeClr>
+            </a:gs>
+          </a:gsLst>
+          <a:path path="circle">
+            <a:fillToRect l="50000" t="50000" r="50000" b="50000"/>
+          </a:path>
+        </a:gradFill>
+      </a:bgFillStyleLst>
+    </a:fmtScheme>
+  </a:themeElements>
+</a:theme>
+</file>
+
+<file path=ppt/theme/theme2.xml><?xml version="1.0" encoding="utf-8"?>
 <a:theme xmlns:a="http://schemas.openxmlformats.org/drawingml/2006/main" xmlns:r="http://schemas.openxmlformats.org/officeDocument/2006/relationships" name="Simple Dark">
   <a:themeElements>
     <a:clrScheme name="Simple Dark">
@@ -8830,283 +8995,4 @@
     </a:fmtScheme>
   </a:themeElements>
 </a:theme>
-</file>
-
-<file path=ppt/theme/theme2.xml><?xml version="1.0" encoding="utf-8"?>
-<a:theme xmlns:a="http://schemas.openxmlformats.org/drawingml/2006/main" xmlns:r="http://schemas.openxmlformats.org/officeDocument/2006/relationships">
-  <a:themeElements>
-    <a:clrScheme name="Default">
-      <a:dk1>
-        <a:srgbClr val="000000"/>
-      </a:dk1>
-      <a:lt1>
-        <a:srgbClr val="FFFFFF"/>
-      </a:lt1>
-      <a:dk2>
-        <a:srgbClr val="158158"/>
-      </a:dk2>
-      <a:lt2>
-        <a:srgbClr val="F3F3F3"/>
-      </a:lt2>
-      <a:accent1>
-        <a:srgbClr val="058DC7"/>
-      </a:accent1>
-      <a:accent2>
-        <a:srgbClr val="50B432"/>
-      </a:accent2>
-      <a:accent3>
-        <a:srgbClr val="ED561B"/>
-      </a:accent3>
-      <a:accent4>
-        <a:srgbClr val="EDEF00"/>
-      </a:accent4>
-      <a:accent5>
-        <a:srgbClr val="24CBE5"/>
-      </a:accent5>
-      <a:accent6>
-        <a:srgbClr val="64E572"/>
-      </a:accent6>
-      <a:hlink>
-        <a:srgbClr val="2200CC"/>
-      </a:hlink>
-      <a:folHlink>
-        <a:srgbClr val="551A8B"/>
-      </a:folHlink>
-    </a:clrScheme>
-    <a:fontScheme name="Office">
-      <a:majorFont>
-        <a:latin typeface="Arial"/>
-        <a:ea typeface=""/>
-        <a:cs typeface=""/>
-        <a:font script="Jpan" typeface="ＭＳ Ｐゴシック"/>
-        <a:font script="Hang" typeface="맑은 고딕"/>
-        <a:font script="Hans" typeface="宋体"/>
-        <a:font script="Hant" typeface="新細明體"/>
-        <a:font script="Arab" typeface="Times New Roman"/>
-        <a:font script="Hebr" typeface="Times New Roman"/>
-        <a:font script="Thai" typeface="Angsana New"/>
-        <a:font script="Ethi" typeface="Nyala"/>
-        <a:font script="Beng" typeface="Vrinda"/>
-        <a:font script="Gujr" typeface="Shruti"/>
-        <a:font script="Khmr" typeface="MoolBoran"/>
-        <a:font script="Knda" typeface="Tunga"/>
-        <a:font script="Guru" typeface="Raavi"/>
-        <a:font script="Cans" typeface="Euphemia"/>
-        <a:font script="Cher" typeface="Plantagenet Cherokee"/>
-        <a:font script="Yiii" typeface="Microsoft Yi Baiti"/>
-        <a:font script="Tibt" typeface="Microsoft Himalaya"/>
-        <a:font script="Thaa" typeface="MV Boli"/>
-        <a:font script="Deva" typeface="Mangal"/>
-        <a:font script="Telu" typeface="Gautami"/>
-        <a:font script="Taml" typeface="Latha"/>
-        <a:font script="Syrc" typeface="Estrangelo Edessa"/>
-        <a:font script="Orya" typeface="Kalinga"/>
-        <a:font script="Mlym" typeface="Kartika"/>
-        <a:font script="Laoo" typeface="DokChampa"/>
-        <a:font script="Sinh" typeface="Iskoola Pota"/>
-        <a:font script="Mong" typeface="Mongolian Baiti"/>
-        <a:font script="Viet" typeface="Times New Roman"/>
-        <a:font script="Uigh" typeface="Microsoft Uighur"/>
-        <a:font script="Geor" typeface="Sylfaen"/>
-      </a:majorFont>
-      <a:minorFont>
-        <a:latin typeface="Arial"/>
-        <a:ea typeface=""/>
-        <a:cs typeface=""/>
-        <a:font script="Jpan" typeface="ＭＳ Ｐゴシック"/>
-        <a:font script="Hang" typeface="맑은 고딕"/>
-        <a:font script="Hans" typeface="宋体"/>
-        <a:font script="Hant" typeface="新細明體"/>
-        <a:font script="Arab" typeface="Arial"/>
-        <a:font script="Hebr" typeface="Arial"/>
-        <a:font script="Thai" typeface="Cordia New"/>
-        <a:font script="Ethi" typeface="Nyala"/>
-        <a:font script="Beng" typeface="Vrinda"/>
-        <a:font script="Gujr" typeface="Shruti"/>
-        <a:font script="Khmr" typeface="DaunPenh"/>
-        <a:font script="Knda" typeface="Tunga"/>
-        <a:font script="Guru" typeface="Raavi"/>
-        <a:font script="Cans" typeface="Euphemia"/>
-        <a:font script="Cher" typeface="Plantagenet Cherokee"/>
-        <a:font script="Yiii" typeface="Microsoft Yi Baiti"/>
-        <a:font script="Tibt" typeface="Microsoft Himalaya"/>
-        <a:font script="Thaa" typeface="MV Boli"/>
-        <a:font script="Deva" typeface="Mangal"/>
-        <a:font script="Telu" typeface="Gautami"/>
-        <a:font script="Taml" typeface="Latha"/>
-        <a:font script="Syrc" typeface="Estrangelo Edessa"/>
-        <a:font script="Orya" typeface="Kalinga"/>
-        <a:font script="Mlym" typeface="Kartika"/>
-        <a:font script="Laoo" typeface="DokChampa"/>
-        <a:font script="Sinh" typeface="Iskoola Pota"/>
-        <a:font script="Mong" typeface="Mongolian Baiti"/>
-        <a:font script="Viet" typeface="Arial"/>
-        <a:font script="Uigh" typeface="Microsoft Uighur"/>
-        <a:font script="Geor" typeface="Sylfaen"/>
-      </a:minorFont>
-    </a:fontScheme>
-    <a:fmtScheme name="Office">
-      <a:fillStyleLst>
-        <a:solidFill>
-          <a:schemeClr val="phClr"/>
-        </a:solidFill>
-        <a:gradFill rotWithShape="1">
-          <a:gsLst>
-            <a:gs pos="0">
-              <a:schemeClr val="phClr">
-                <a:tint val="50000"/>
-                <a:satMod val="300000"/>
-              </a:schemeClr>
-            </a:gs>
-            <a:gs pos="35000">
-              <a:schemeClr val="phClr">
-                <a:tint val="37000"/>
-                <a:satMod val="300000"/>
-              </a:schemeClr>
-            </a:gs>
-            <a:gs pos="100000">
-              <a:schemeClr val="phClr">
-                <a:tint val="15000"/>
-                <a:satMod val="350000"/>
-              </a:schemeClr>
-            </a:gs>
-          </a:gsLst>
-          <a:lin ang="16200000" scaled="1"/>
-        </a:gradFill>
-        <a:gradFill rotWithShape="1">
-          <a:gsLst>
-            <a:gs pos="0">
-              <a:schemeClr val="phClr">
-                <a:tint val="100000"/>
-                <a:shade val="100000"/>
-                <a:satMod val="130000"/>
-              </a:schemeClr>
-            </a:gs>
-            <a:gs pos="100000">
-              <a:schemeClr val="phClr">
-                <a:tint val="50000"/>
-                <a:shade val="100000"/>
-                <a:satMod val="350000"/>
-              </a:schemeClr>
-            </a:gs>
-          </a:gsLst>
-          <a:lin ang="16200000" scaled="0"/>
-        </a:gradFill>
-      </a:fillStyleLst>
-      <a:lnStyleLst>
-        <a:ln w="9525" cap="flat" cmpd="sng" algn="ctr">
-          <a:solidFill>
-            <a:schemeClr val="phClr">
-              <a:shade val="95000"/>
-              <a:satMod val="105000"/>
-            </a:schemeClr>
-          </a:solidFill>
-          <a:prstDash val="solid"/>
-        </a:ln>
-        <a:ln w="25400" cap="flat" cmpd="sng" algn="ctr">
-          <a:solidFill>
-            <a:schemeClr val="phClr"/>
-          </a:solidFill>
-          <a:prstDash val="solid"/>
-        </a:ln>
-        <a:ln w="38100" cap="flat" cmpd="sng" algn="ctr">
-          <a:solidFill>
-            <a:schemeClr val="phClr"/>
-          </a:solidFill>
-          <a:prstDash val="solid"/>
-        </a:ln>
-      </a:lnStyleLst>
-      <a:effectStyleLst>
-        <a:effectStyle>
-          <a:effectLst>
-            <a:outerShdw blurRad="40000" dist="20000" dir="5400000" rotWithShape="0">
-              <a:srgbClr val="000000">
-                <a:alpha val="38000"/>
-              </a:srgbClr>
-            </a:outerShdw>
-          </a:effectLst>
-        </a:effectStyle>
-        <a:effectStyle>
-          <a:effectLst>
-            <a:outerShdw blurRad="40000" dist="23000" dir="5400000" rotWithShape="0">
-              <a:srgbClr val="000000">
-                <a:alpha val="35000"/>
-              </a:srgbClr>
-            </a:outerShdw>
-          </a:effectLst>
-        </a:effectStyle>
-        <a:effectStyle>
-          <a:effectLst>
-            <a:outerShdw blurRad="40000" dist="23000" dir="5400000" rotWithShape="0">
-              <a:srgbClr val="000000">
-                <a:alpha val="35000"/>
-              </a:srgbClr>
-            </a:outerShdw>
-          </a:effectLst>
-          <a:scene3d>
-            <a:camera prst="orthographicFront">
-              <a:rot lat="0" lon="0" rev="0"/>
-            </a:camera>
-            <a:lightRig rig="threePt" dir="t">
-              <a:rot lat="0" lon="0" rev="1200000"/>
-            </a:lightRig>
-          </a:scene3d>
-          <a:sp3d>
-            <a:bevelT w="63500" h="25400"/>
-          </a:sp3d>
-        </a:effectStyle>
-      </a:effectStyleLst>
-      <a:bgFillStyleLst>
-        <a:solidFill>
-          <a:schemeClr val="phClr"/>
-        </a:solidFill>
-        <a:gradFill rotWithShape="1">
-          <a:gsLst>
-            <a:gs pos="0">
-              <a:schemeClr val="phClr">
-                <a:tint val="40000"/>
-                <a:satMod val="350000"/>
-              </a:schemeClr>
-            </a:gs>
-            <a:gs pos="40000">
-              <a:schemeClr val="phClr">
-                <a:tint val="45000"/>
-                <a:shade val="99000"/>
-                <a:satMod val="350000"/>
-              </a:schemeClr>
-            </a:gs>
-            <a:gs pos="100000">
-              <a:schemeClr val="phClr">
-                <a:shade val="20000"/>
-                <a:satMod val="255000"/>
-              </a:schemeClr>
-            </a:gs>
-          </a:gsLst>
-          <a:path path="circle">
-            <a:fillToRect l="50000" t="-80000" r="50000" b="180000"/>
-          </a:path>
-        </a:gradFill>
-        <a:gradFill rotWithShape="1">
-          <a:gsLst>
-            <a:gs pos="0">
-              <a:schemeClr val="phClr">
-                <a:tint val="80000"/>
-                <a:satMod val="300000"/>
-              </a:schemeClr>
-            </a:gs>
-            <a:gs pos="100000">
-              <a:schemeClr val="phClr">
-                <a:shade val="30000"/>
-                <a:satMod val="200000"/>
-              </a:schemeClr>
-            </a:gs>
-          </a:gsLst>
-          <a:path path="circle">
-            <a:fillToRect l="50000" t="50000" r="50000" b="50000"/>
-          </a:path>
-        </a:gradFill>
-      </a:bgFillStyleLst>
-    </a:fmtScheme>
-  </a:themeElements>
-</a:theme>
 </file>
--- a/Hyperledger Fabric and Composer.pptx
+++ b/Hyperledger Fabric and Composer.pptx
@@ -19,6 +19,7 @@
     <p:sldId id="264" r:id="rId13"/>
     <p:sldId id="265" r:id="rId14"/>
     <p:sldId id="266" r:id="rId15"/>
+    <p:sldId id="267" r:id="rId16"/>
   </p:sldIdLst>
   <p:sldSz cy="5143500" cx="9144000"/>
   <p:notesSz cx="6858000" cy="9144000"/>
@@ -948,6 +949,105 @@
       <p:sp>
         <p:nvSpPr>
           <p:cNvPr id="117" name="Google Shape;117;g4ef4831510_1_1:notes"/>
+          <p:cNvSpPr txBox="1"/>
+          <p:nvPr>
+            <p:ph idx="1" type="body"/>
+          </p:nvPr>
+        </p:nvSpPr>
+        <p:spPr>
+          <a:xfrm>
+            <a:off x="685800" y="4343400"/>
+            <a:ext cx="5486400" cy="4114800"/>
+          </a:xfrm>
+          <a:prstGeom prst="rect">
+            <a:avLst/>
+          </a:prstGeom>
+        </p:spPr>
+        <p:txBody>
+          <a:bodyPr anchorCtr="0" anchor="t" bIns="91425" lIns="91425" spcFirstLastPara="1" rIns="91425" wrap="square" tIns="91425">
+            <a:noAutofit/>
+          </a:bodyPr>
+          <a:lstStyle/>
+          <a:p>
+            <a:pPr indent="0" lvl="0" marL="0" rtl="0" algn="l">
+              <a:spcBef>
+                <a:spcPts val="0"/>
+              </a:spcBef>
+              <a:spcAft>
+                <a:spcPts val="0"/>
+              </a:spcAft>
+              <a:buNone/>
+            </a:pPr>
+            <a:r>
+              <a:t/>
+            </a:r>
+            <a:endParaRPr/>
+          </a:p>
+        </p:txBody>
+      </p:sp>
+    </p:spTree>
+  </p:cSld>
+  <p:clrMapOvr>
+    <a:masterClrMapping/>
+  </p:clrMapOvr>
+</p:notes>
+</file>
+
+<file path=ppt/notesSlides/notesSlide12.xml><?xml version="1.0" encoding="utf-8"?>
+<p:notes xmlns:a="http://schemas.openxmlformats.org/drawingml/2006/main" xmlns:r="http://schemas.openxmlformats.org/officeDocument/2006/relationships" xmlns:mc="http://schemas.openxmlformats.org/markup-compatibility/2006" xmlns:mv="urn:schemas-microsoft-com:mac:vml" xmlns:p="http://schemas.openxmlformats.org/presentationml/2006/main" xmlns:c="http://schemas.openxmlformats.org/drawingml/2006/chart" xmlns:dgm="http://schemas.openxmlformats.org/drawingml/2006/diagram" xmlns:o="urn:schemas-microsoft-com:office:office" xmlns:v="urn:schemas-microsoft-com:vml" xmlns:pvml="urn:schemas-microsoft-com:office:powerpoint" xmlns:com="http://schemas.openxmlformats.org/drawingml/2006/compatibility" xmlns:p14="http://schemas.microsoft.com/office/powerpoint/2010/main" xmlns:p15="http://schemas.microsoft.com/office/powerpoint/2012/main" showMasterPhAnim="0" showMasterSp="0">
+  <p:cSld>
+    <p:spTree>
+      <p:nvGrpSpPr>
+        <p:cNvPr id="121" name="Shape 121"/>
+        <p:cNvGrpSpPr/>
+        <p:nvPr/>
+      </p:nvGrpSpPr>
+      <p:grpSpPr>
+        <a:xfrm>
+          <a:off x="0" y="0"/>
+          <a:ext cx="0" cy="0"/>
+          <a:chOff x="0" y="0"/>
+          <a:chExt cx="0" cy="0"/>
+        </a:xfrm>
+      </p:grpSpPr>
+      <p:sp>
+        <p:nvSpPr>
+          <p:cNvPr id="122" name="Google Shape;122;g4f0060d927_0_0:notes"/>
+          <p:cNvSpPr/>
+          <p:nvPr>
+            <p:ph idx="2" type="sldImg"/>
+          </p:nvPr>
+        </p:nvSpPr>
+        <p:spPr>
+          <a:xfrm>
+            <a:off x="381300" y="685800"/>
+            <a:ext cx="6096000" cy="3429000"/>
+          </a:xfrm>
+          <a:custGeom>
+            <a:rect b="b" l="l" r="r" t="t"/>
+            <a:pathLst>
+              <a:path extrusionOk="0" h="120000" w="120000">
+                <a:moveTo>
+                  <a:pt x="0" y="0"/>
+                </a:moveTo>
+                <a:lnTo>
+                  <a:pt x="120000" y="0"/>
+                </a:lnTo>
+                <a:lnTo>
+                  <a:pt x="120000" y="120000"/>
+                </a:lnTo>
+                <a:lnTo>
+                  <a:pt x="0" y="120000"/>
+                </a:lnTo>
+                <a:close/>
+              </a:path>
+            </a:pathLst>
+          </a:custGeom>
+        </p:spPr>
+      </p:sp>
+      <p:sp>
+        <p:nvSpPr>
+          <p:cNvPr id="123" name="Google Shape;123;g4f0060d927_0_0:notes"/>
           <p:cNvSpPr txBox="1"/>
           <p:nvPr>
             <p:ph idx="1" type="body"/>
@@ -7188,6 +7288,141 @@
 </p:sld>
 </file>
 
+<file path=ppt/slides/slide12.xml><?xml version="1.0" encoding="utf-8"?>
+<p:sld xmlns:a="http://schemas.openxmlformats.org/drawingml/2006/main" xmlns:r="http://schemas.openxmlformats.org/officeDocument/2006/relationships" xmlns:mc="http://schemas.openxmlformats.org/markup-compatibility/2006" xmlns:mv="urn:schemas-microsoft-com:mac:vml" xmlns:p="http://schemas.openxmlformats.org/presentationml/2006/main" xmlns:c="http://schemas.openxmlformats.org/drawingml/2006/chart" xmlns:dgm="http://schemas.openxmlformats.org/drawingml/2006/diagram" xmlns:o="urn:schemas-microsoft-com:office:office" xmlns:v="urn:schemas-microsoft-com:vml" xmlns:pvml="urn:schemas-microsoft-com:office:powerpoint" xmlns:com="http://schemas.openxmlformats.org/drawingml/2006/compatibility" xmlns:p14="http://schemas.microsoft.com/office/powerpoint/2010/main" xmlns:p15="http://schemas.microsoft.com/office/powerpoint/2012/main">
+  <p:cSld>
+    <p:spTree>
+      <p:nvGrpSpPr>
+        <p:cNvPr id="124" name="Shape 124"/>
+        <p:cNvGrpSpPr/>
+        <p:nvPr/>
+      </p:nvGrpSpPr>
+      <p:grpSpPr>
+        <a:xfrm>
+          <a:off x="0" y="0"/>
+          <a:ext cx="0" cy="0"/>
+          <a:chOff x="0" y="0"/>
+          <a:chExt cx="0" cy="0"/>
+        </a:xfrm>
+      </p:grpSpPr>
+      <p:sp>
+        <p:nvSpPr>
+          <p:cNvPr id="125" name="Google Shape;125;p24"/>
+          <p:cNvSpPr txBox="1"/>
+          <p:nvPr>
+            <p:ph type="title"/>
+          </p:nvPr>
+        </p:nvSpPr>
+        <p:spPr>
+          <a:xfrm>
+            <a:off x="311700" y="445025"/>
+            <a:ext cx="8520600" cy="572700"/>
+          </a:xfrm>
+          <a:prstGeom prst="rect">
+            <a:avLst/>
+          </a:prstGeom>
+        </p:spPr>
+        <p:txBody>
+          <a:bodyPr anchorCtr="0" anchor="t" bIns="91425" lIns="91425" spcFirstLastPara="1" rIns="91425" wrap="square" tIns="91425">
+            <a:noAutofit/>
+          </a:bodyPr>
+          <a:lstStyle/>
+          <a:p>
+            <a:pPr indent="0" lvl="0" marL="0" rtl="0" algn="l">
+              <a:spcBef>
+                <a:spcPts val="0"/>
+              </a:spcBef>
+              <a:spcAft>
+                <a:spcPts val="0"/>
+              </a:spcAft>
+              <a:buNone/>
+            </a:pPr>
+            <a:r>
+              <a:rPr lang="en-GB"/>
+              <a:t>References </a:t>
+            </a:r>
+            <a:endParaRPr/>
+          </a:p>
+          <a:p>
+            <a:pPr indent="0" lvl="0" marL="0" rtl="0" algn="l">
+              <a:spcBef>
+                <a:spcPts val="0"/>
+              </a:spcBef>
+              <a:spcAft>
+                <a:spcPts val="0"/>
+              </a:spcAft>
+              <a:buNone/>
+            </a:pPr>
+            <a:r>
+              <a:t/>
+            </a:r>
+            <a:endParaRPr/>
+          </a:p>
+        </p:txBody>
+      </p:sp>
+      <p:sp>
+        <p:nvSpPr>
+          <p:cNvPr id="126" name="Google Shape;126;p24"/>
+          <p:cNvSpPr txBox="1"/>
+          <p:nvPr>
+            <p:ph idx="1" type="body"/>
+          </p:nvPr>
+        </p:nvSpPr>
+        <p:spPr>
+          <a:xfrm>
+            <a:off x="311700" y="1152475"/>
+            <a:ext cx="8520600" cy="3416400"/>
+          </a:xfrm>
+          <a:prstGeom prst="rect">
+            <a:avLst/>
+          </a:prstGeom>
+        </p:spPr>
+        <p:txBody>
+          <a:bodyPr anchorCtr="0" anchor="t" bIns="91425" lIns="91425" spcFirstLastPara="1" rIns="91425" wrap="square" tIns="91425">
+            <a:noAutofit/>
+          </a:bodyPr>
+          <a:lstStyle/>
+          <a:p>
+            <a:pPr indent="0" lvl="0" marL="0" rtl="0" algn="l">
+              <a:spcBef>
+                <a:spcPts val="0"/>
+              </a:spcBef>
+              <a:spcAft>
+                <a:spcPts val="0"/>
+              </a:spcAft>
+              <a:buNone/>
+            </a:pPr>
+            <a:r>
+              <a:rPr lang="en-GB"/>
+              <a:t>[1] Architecture of the Hyperledger Blockchain Fabric, Christian Cachin, IBM Research - Zurich, 2016</a:t>
+            </a:r>
+            <a:endParaRPr/>
+          </a:p>
+          <a:p>
+            <a:pPr indent="0" lvl="0" marL="0" rtl="0" algn="l">
+              <a:spcBef>
+                <a:spcPts val="1600"/>
+              </a:spcBef>
+              <a:spcAft>
+                <a:spcPts val="1600"/>
+              </a:spcAft>
+              <a:buNone/>
+            </a:pPr>
+            <a:r>
+              <a:t/>
+            </a:r>
+            <a:endParaRPr/>
+          </a:p>
+        </p:txBody>
+      </p:sp>
+    </p:spTree>
+  </p:cSld>
+  <p:clrMapOvr>
+    <a:masterClrMapping/>
+  </p:clrMapOvr>
+</p:sld>
+</file>
+
 <file path=ppt/slides/slide2.xml><?xml version="1.0" encoding="utf-8"?>
 <p:sld xmlns:a="http://schemas.openxmlformats.org/drawingml/2006/main" xmlns:r="http://schemas.openxmlformats.org/officeDocument/2006/relationships" xmlns:mc="http://schemas.openxmlformats.org/markup-compatibility/2006" xmlns:mv="urn:schemas-microsoft-com:mac:vml" xmlns:p="http://schemas.openxmlformats.org/presentationml/2006/main" xmlns:c="http://schemas.openxmlformats.org/drawingml/2006/chart" xmlns:dgm="http://schemas.openxmlformats.org/drawingml/2006/diagram" xmlns:o="urn:schemas-microsoft-com:office:office" xmlns:v="urn:schemas-microsoft-com:vml" xmlns:pvml="urn:schemas-microsoft-com:office:powerpoint" xmlns:com="http://schemas.openxmlformats.org/drawingml/2006/compatibility" xmlns:p14="http://schemas.microsoft.com/office/powerpoint/2010/main" xmlns:p15="http://schemas.microsoft.com/office/powerpoint/2012/main">
   <p:cSld>
@@ -7282,7 +7517,7 @@
             </a:r>
             <a:r>
               <a:rPr lang="en-GB"/>
-              <a:t> is Proof of Authority </a:t>
+              <a:t> is Byzantine fault-tolerant using the PBFT protocol [1] that among the n validating peers at most f &lt; n/3 may “lie” and behave arbitrarily, but all others execute the chaincode correctly.</a:t>
             </a:r>
             <a:endParaRPr/>
           </a:p>
@@ -7943,6 +8178,23 @@
             </a:pPr>
             <a:r>
               <a:rPr lang="en-GB"/>
+              <a:t>Provides REST (Representational State Transfer) API </a:t>
+            </a:r>
+            <a:endParaRPr/>
+          </a:p>
+          <a:p>
+            <a:pPr indent="-342900" lvl="0" marL="457200" rtl="0" algn="l">
+              <a:spcBef>
+                <a:spcPts val="0"/>
+              </a:spcBef>
+              <a:spcAft>
+                <a:spcPts val="0"/>
+              </a:spcAft>
+              <a:buSzPts val="1800"/>
+              <a:buChar char="❖"/>
+            </a:pPr>
+            <a:r>
+              <a:rPr lang="en-GB"/>
               <a:t>Creating business network out of 3 main files :</a:t>
             </a:r>
             <a:endParaRPr/>
@@ -8440,6 +8692,285 @@
 </file>
 
 <file path=ppt/theme/theme1.xml><?xml version="1.0" encoding="utf-8"?>
+<a:theme xmlns:a="http://schemas.openxmlformats.org/drawingml/2006/main" xmlns:r="http://schemas.openxmlformats.org/officeDocument/2006/relationships" name="Simple Dark">
+  <a:themeElements>
+    <a:clrScheme name="Simple Dark">
+      <a:dk1>
+        <a:srgbClr val="FFFFFF"/>
+      </a:dk1>
+      <a:lt1>
+        <a:srgbClr val="212121"/>
+      </a:lt1>
+      <a:dk2>
+        <a:srgbClr val="303030"/>
+      </a:dk2>
+      <a:lt2>
+        <a:srgbClr val="ADADAD"/>
+      </a:lt2>
+      <a:accent1>
+        <a:srgbClr val="009688"/>
+      </a:accent1>
+      <a:accent2>
+        <a:srgbClr val="EEEEEE"/>
+      </a:accent2>
+      <a:accent3>
+        <a:srgbClr val="78909C"/>
+      </a:accent3>
+      <a:accent4>
+        <a:srgbClr val="FFAB40"/>
+      </a:accent4>
+      <a:accent5>
+        <a:srgbClr val="4DD0E1"/>
+      </a:accent5>
+      <a:accent6>
+        <a:srgbClr val="EEFF41"/>
+      </a:accent6>
+      <a:hlink>
+        <a:srgbClr val="4DD0E1"/>
+      </a:hlink>
+      <a:folHlink>
+        <a:srgbClr val="4DD0E1"/>
+      </a:folHlink>
+    </a:clrScheme>
+    <a:fontScheme name="Office">
+      <a:majorFont>
+        <a:latin typeface="Arial"/>
+        <a:ea typeface=""/>
+        <a:cs typeface=""/>
+        <a:font script="Jpan" typeface="ＭＳ Ｐゴシック"/>
+        <a:font script="Hang" typeface="맑은 고딕"/>
+        <a:font script="Hans" typeface="宋体"/>
+        <a:font script="Hant" typeface="新細明體"/>
+        <a:font script="Arab" typeface="Times New Roman"/>
+        <a:font script="Hebr" typeface="Times New Roman"/>
+        <a:font script="Thai" typeface="Angsana New"/>
+        <a:font script="Ethi" typeface="Nyala"/>
+        <a:font script="Beng" typeface="Vrinda"/>
+        <a:font script="Gujr" typeface="Shruti"/>
+        <a:font script="Khmr" typeface="MoolBoran"/>
+        <a:font script="Knda" typeface="Tunga"/>
+        <a:font script="Guru" typeface="Raavi"/>
+        <a:font script="Cans" typeface="Euphemia"/>
+        <a:font script="Cher" typeface="Plantagenet Cherokee"/>
+        <a:font script="Yiii" typeface="Microsoft Yi Baiti"/>
+        <a:font script="Tibt" typeface="Microsoft Himalaya"/>
+        <a:font script="Thaa" typeface="MV Boli"/>
+        <a:font script="Deva" typeface="Mangal"/>
+        <a:font script="Telu" typeface="Gautami"/>
+        <a:font script="Taml" typeface="Latha"/>
+        <a:font script="Syrc" typeface="Estrangelo Edessa"/>
+        <a:font script="Orya" typeface="Kalinga"/>
+        <a:font script="Mlym" typeface="Kartika"/>
+        <a:font script="Laoo" typeface="DokChampa"/>
+        <a:font script="Sinh" typeface="Iskoola Pota"/>
+        <a:font script="Mong" typeface="Mongolian Baiti"/>
+        <a:font script="Viet" typeface="Times New Roman"/>
+        <a:font script="Uigh" typeface="Microsoft Uighur"/>
+        <a:font script="Geor" typeface="Sylfaen"/>
+      </a:majorFont>
+      <a:minorFont>
+        <a:latin typeface="Arial"/>
+        <a:ea typeface=""/>
+        <a:cs typeface=""/>
+        <a:font script="Jpan" typeface="ＭＳ Ｐゴシック"/>
+        <a:font script="Hang" typeface="맑은 고딕"/>
+        <a:font script="Hans" typeface="宋体"/>
+        <a:font script="Hant" typeface="新細明體"/>
+        <a:font script="Arab" typeface="Arial"/>
+        <a:font script="Hebr" typeface="Arial"/>
+        <a:font script="Thai" typeface="Cordia New"/>
+        <a:font script="Ethi" typeface="Nyala"/>
+        <a:font script="Beng" typeface="Vrinda"/>
+        <a:font script="Gujr" typeface="Shruti"/>
+        <a:font script="Khmr" typeface="DaunPenh"/>
+        <a:font script="Knda" typeface="Tunga"/>
+        <a:font script="Guru" typeface="Raavi"/>
+        <a:font script="Cans" typeface="Euphemia"/>
+        <a:font script="Cher" typeface="Plantagenet Cherokee"/>
+        <a:font script="Yiii" typeface="Microsoft Yi Baiti"/>
+        <a:font script="Tibt" typeface="Microsoft Himalaya"/>
+        <a:font script="Thaa" typeface="MV Boli"/>
+        <a:font script="Deva" typeface="Mangal"/>
+        <a:font script="Telu" typeface="Gautami"/>
+        <a:font script="Taml" typeface="Latha"/>
+        <a:font script="Syrc" typeface="Estrangelo Edessa"/>
+        <a:font script="Orya" typeface="Kalinga"/>
+        <a:font script="Mlym" typeface="Kartika"/>
+        <a:font script="Laoo" typeface="DokChampa"/>
+        <a:font script="Sinh" typeface="Iskoola Pota"/>
+        <a:font script="Mong" typeface="Mongolian Baiti"/>
+        <a:font script="Viet" typeface="Arial"/>
+        <a:font script="Uigh" typeface="Microsoft Uighur"/>
+        <a:font script="Geor" typeface="Sylfaen"/>
+      </a:minorFont>
+    </a:fontScheme>
+    <a:fmtScheme name="Office">
+      <a:fillStyleLst>
+        <a:solidFill>
+          <a:schemeClr val="phClr"/>
+        </a:solidFill>
+        <a:gradFill rotWithShape="1">
+          <a:gsLst>
+            <a:gs pos="0">
+              <a:schemeClr val="phClr">
+                <a:tint val="50000"/>
+                <a:satMod val="300000"/>
+              </a:schemeClr>
+            </a:gs>
+            <a:gs pos="35000">
+              <a:schemeClr val="phClr">
+                <a:tint val="37000"/>
+                <a:satMod val="300000"/>
+              </a:schemeClr>
+            </a:gs>
+            <a:gs pos="100000">
+              <a:schemeClr val="phClr">
+                <a:tint val="15000"/>
+                <a:satMod val="350000"/>
+              </a:schemeClr>
+            </a:gs>
+          </a:gsLst>
+          <a:lin ang="16200000" scaled="1"/>
+        </a:gradFill>
+        <a:gradFill rotWithShape="1">
+          <a:gsLst>
+            <a:gs pos="0">
+              <a:schemeClr val="phClr">
+                <a:tint val="100000"/>
+                <a:shade val="100000"/>
+                <a:satMod val="130000"/>
+              </a:schemeClr>
+            </a:gs>
+            <a:gs pos="100000">
+              <a:schemeClr val="phClr">
+                <a:tint val="50000"/>
+                <a:shade val="100000"/>
+                <a:satMod val="350000"/>
+              </a:schemeClr>
+            </a:gs>
+          </a:gsLst>
+          <a:lin ang="16200000" scaled="0"/>
+        </a:gradFill>
+      </a:fillStyleLst>
+      <a:lnStyleLst>
+        <a:ln w="9525" cap="flat" cmpd="sng" algn="ctr">
+          <a:solidFill>
+            <a:schemeClr val="phClr">
+              <a:shade val="95000"/>
+              <a:satMod val="105000"/>
+            </a:schemeClr>
+          </a:solidFill>
+          <a:prstDash val="solid"/>
+        </a:ln>
+        <a:ln w="25400" cap="flat" cmpd="sng" algn="ctr">
+          <a:solidFill>
+            <a:schemeClr val="phClr"/>
+          </a:solidFill>
+          <a:prstDash val="solid"/>
+        </a:ln>
+        <a:ln w="38100" cap="flat" cmpd="sng" algn="ctr">
+          <a:solidFill>
+            <a:schemeClr val="phClr"/>
+          </a:solidFill>
+          <a:prstDash val="solid"/>
+        </a:ln>
+      </a:lnStyleLst>
+      <a:effectStyleLst>
+        <a:effectStyle>
+          <a:effectLst>
+            <a:outerShdw blurRad="40000" dist="20000" dir="5400000" rotWithShape="0">
+              <a:srgbClr val="000000">
+                <a:alpha val="38000"/>
+              </a:srgbClr>
+            </a:outerShdw>
+          </a:effectLst>
+        </a:effectStyle>
+        <a:effectStyle>
+          <a:effectLst>
+            <a:outerShdw blurRad="40000" dist="23000" dir="5400000" rotWithShape="0">
+              <a:srgbClr val="000000">
+                <a:alpha val="35000"/>
+              </a:srgbClr>
+            </a:outerShdw>
+          </a:effectLst>
+        </a:effectStyle>
+        <a:effectStyle>
+          <a:effectLst>
+            <a:outerShdw blurRad="40000" dist="23000" dir="5400000" rotWithShape="0">
+              <a:srgbClr val="000000">
+                <a:alpha val="35000"/>
+              </a:srgbClr>
+            </a:outerShdw>
+          </a:effectLst>
+          <a:scene3d>
+            <a:camera prst="orthographicFront">
+              <a:rot lat="0" lon="0" rev="0"/>
+            </a:camera>
+            <a:lightRig rig="threePt" dir="t">
+              <a:rot lat="0" lon="0" rev="1200000"/>
+            </a:lightRig>
+          </a:scene3d>
+          <a:sp3d>
+            <a:bevelT w="63500" h="25400"/>
+          </a:sp3d>
+        </a:effectStyle>
+      </a:effectStyleLst>
+      <a:bgFillStyleLst>
+        <a:solidFill>
+          <a:schemeClr val="phClr"/>
+        </a:solidFill>
+        <a:gradFill rotWithShape="1">
+          <a:gsLst>
+            <a:gs pos="0">
+              <a:schemeClr val="phClr">
+                <a:tint val="40000"/>
+                <a:satMod val="350000"/>
+              </a:schemeClr>
+            </a:gs>
+            <a:gs pos="40000">
+              <a:schemeClr val="phClr">
+                <a:tint val="45000"/>
+                <a:shade val="99000"/>
+                <a:satMod val="350000"/>
+              </a:schemeClr>
+            </a:gs>
+            <a:gs pos="100000">
+              <a:schemeClr val="phClr">
+                <a:shade val="20000"/>
+                <a:satMod val="255000"/>
+              </a:schemeClr>
+            </a:gs>
+          </a:gsLst>
+          <a:path path="circle">
+            <a:fillToRect l="50000" t="-80000" r="50000" b="180000"/>
+          </a:path>
+        </a:gradFill>
+        <a:gradFill rotWithShape="1">
+          <a:gsLst>
+            <a:gs pos="0">
+              <a:schemeClr val="phClr">
+                <a:tint val="80000"/>
+                <a:satMod val="300000"/>
+              </a:schemeClr>
+            </a:gs>
+            <a:gs pos="100000">
+              <a:schemeClr val="phClr">
+                <a:shade val="30000"/>
+                <a:satMod val="200000"/>
+              </a:schemeClr>
+            </a:gs>
+          </a:gsLst>
+          <a:path path="circle">
+            <a:fillToRect l="50000" t="50000" r="50000" b="50000"/>
+          </a:path>
+        </a:gradFill>
+      </a:bgFillStyleLst>
+    </a:fmtScheme>
+  </a:themeElements>
+</a:theme>
+</file>
+
+<file path=ppt/theme/theme2.xml><?xml version="1.0" encoding="utf-8"?>
 <a:theme xmlns:a="http://schemas.openxmlformats.org/drawingml/2006/main" xmlns:r="http://schemas.openxmlformats.org/officeDocument/2006/relationships">
   <a:themeElements>
     <a:clrScheme name="Default">
@@ -8716,283 +9247,4 @@
     </a:fmtScheme>
   </a:themeElements>
 </a:theme>
-</file>
-
-<file path=ppt/theme/theme2.xml><?xml version="1.0" encoding="utf-8"?>
-<a:theme xmlns:a="http://schemas.openxmlformats.org/drawingml/2006/main" xmlns:r="http://schemas.openxmlformats.org/officeDocument/2006/relationships" name="Simple Dark">
-  <a:themeElements>
-    <a:clrScheme name="Simple Dark">
-      <a:dk1>
-        <a:srgbClr val="FFFFFF"/>
-      </a:dk1>
-      <a:lt1>
-        <a:srgbClr val="212121"/>
-      </a:lt1>
-      <a:dk2>
-        <a:srgbClr val="303030"/>
-      </a:dk2>
-      <a:lt2>
-        <a:srgbClr val="ADADAD"/>
-      </a:lt2>
-      <a:accent1>
-        <a:srgbClr val="009688"/>
-      </a:accent1>
-      <a:accent2>
-        <a:srgbClr val="EEEEEE"/>
-      </a:accent2>
-      <a:accent3>
-        <a:srgbClr val="78909C"/>
-      </a:accent3>
-      <a:accent4>
-        <a:srgbClr val="FFAB40"/>
-      </a:accent4>
-      <a:accent5>
-        <a:srgbClr val="4DD0E1"/>
-      </a:accent5>
-      <a:accent6>
-        <a:srgbClr val="EEFF41"/>
-      </a:accent6>
-      <a:hlink>
-        <a:srgbClr val="4DD0E1"/>
-      </a:hlink>
-      <a:folHlink>
-        <a:srgbClr val="4DD0E1"/>
-      </a:folHlink>
-    </a:clrScheme>
-    <a:fontScheme name="Office">
-      <a:majorFont>
-        <a:latin typeface="Arial"/>
-        <a:ea typeface=""/>
-        <a:cs typeface=""/>
-        <a:font script="Jpan" typeface="ＭＳ Ｐゴシック"/>
-        <a:font script="Hang" typeface="맑은 고딕"/>
-        <a:font script="Hans" typeface="宋体"/>
-        <a:font script="Hant" typeface="新細明體"/>
-        <a:font script="Arab" typeface="Times New Roman"/>
-        <a:font script="Hebr" typeface="Times New Roman"/>
-        <a:font script="Thai" typeface="Angsana New"/>
-        <a:font script="Ethi" typeface="Nyala"/>
-        <a:font script="Beng" typeface="Vrinda"/>
-        <a:font script="Gujr" typeface="Shruti"/>
-        <a:font script="Khmr" typeface="MoolBoran"/>
-        <a:font script="Knda" typeface="Tunga"/>
-        <a:font script="Guru" typeface="Raavi"/>
-        <a:font script="Cans" typeface="Euphemia"/>
-        <a:font script="Cher" typeface="Plantagenet Cherokee"/>
-        <a:font script="Yiii" typeface="Microsoft Yi Baiti"/>
-        <a:font script="Tibt" typeface="Microsoft Himalaya"/>
-        <a:font script="Thaa" typeface="MV Boli"/>
-        <a:font script="Deva" typeface="Mangal"/>
-        <a:font script="Telu" typeface="Gautami"/>
-        <a:font script="Taml" typeface="Latha"/>
-        <a:font script="Syrc" typeface="Estrangelo Edessa"/>
-        <a:font script="Orya" typeface="Kalinga"/>
-        <a:font script="Mlym" typeface="Kartika"/>
-        <a:font script="Laoo" typeface="DokChampa"/>
-        <a:font script="Sinh" typeface="Iskoola Pota"/>
-        <a:font script="Mong" typeface="Mongolian Baiti"/>
-        <a:font script="Viet" typeface="Times New Roman"/>
-        <a:font script="Uigh" typeface="Microsoft Uighur"/>
-        <a:font script="Geor" typeface="Sylfaen"/>
-      </a:majorFont>
-      <a:minorFont>
-        <a:latin typeface="Arial"/>
-        <a:ea typeface=""/>
-        <a:cs typeface=""/>
-        <a:font script="Jpan" typeface="ＭＳ Ｐゴシック"/>
-        <a:font script="Hang" typeface="맑은 고딕"/>
-        <a:font script="Hans" typeface="宋体"/>
-        <a:font script="Hant" typeface="新細明體"/>
-        <a:font script="Arab" typeface="Arial"/>
-        <a:font script="Hebr" typeface="Arial"/>
-        <a:font script="Thai" typeface="Cordia New"/>
-        <a:font script="Ethi" typeface="Nyala"/>
-        <a:font script="Beng" typeface="Vrinda"/>
-        <a:font script="Gujr" typeface="Shruti"/>
-        <a:font script="Khmr" typeface="DaunPenh"/>
-        <a:font script="Knda" typeface="Tunga"/>
-        <a:font script="Guru" typeface="Raavi"/>
-        <a:font script="Cans" typeface="Euphemia"/>
-        <a:font script="Cher" typeface="Plantagenet Cherokee"/>
-        <a:font script="Yiii" typeface="Microsoft Yi Baiti"/>
-        <a:font script="Tibt" typeface="Microsoft Himalaya"/>
-        <a:font script="Thaa" typeface="MV Boli"/>
-        <a:font script="Deva" typeface="Mangal"/>
-        <a:font script="Telu" typeface="Gautami"/>
-        <a:font script="Taml" typeface="Latha"/>
-        <a:font script="Syrc" typeface="Estrangelo Edessa"/>
-        <a:font script="Orya" typeface="Kalinga"/>
-        <a:font script="Mlym" typeface="Kartika"/>
-        <a:font script="Laoo" typeface="DokChampa"/>
-        <a:font script="Sinh" typeface="Iskoola Pota"/>
-        <a:font script="Mong" typeface="Mongolian Baiti"/>
-        <a:font script="Viet" typeface="Arial"/>
-        <a:font script="Uigh" typeface="Microsoft Uighur"/>
-        <a:font script="Geor" typeface="Sylfaen"/>
-      </a:minorFont>
-    </a:fontScheme>
-    <a:fmtScheme name="Office">
-      <a:fillStyleLst>
-        <a:solidFill>
-          <a:schemeClr val="phClr"/>
-        </a:solidFill>
-        <a:gradFill rotWithShape="1">
-          <a:gsLst>
-            <a:gs pos="0">
-              <a:schemeClr val="phClr">
-                <a:tint val="50000"/>
-                <a:satMod val="300000"/>
-              </a:schemeClr>
-            </a:gs>
-            <a:gs pos="35000">
-              <a:schemeClr val="phClr">
-                <a:tint val="37000"/>
-                <a:satMod val="300000"/>
-              </a:schemeClr>
-            </a:gs>
-            <a:gs pos="100000">
-              <a:schemeClr val="phClr">
-                <a:tint val="15000"/>
-                <a:satMod val="350000"/>
-              </a:schemeClr>
-            </a:gs>
-          </a:gsLst>
-          <a:lin ang="16200000" scaled="1"/>
-        </a:gradFill>
-        <a:gradFill rotWithShape="1">
-          <a:gsLst>
-            <a:gs pos="0">
-              <a:schemeClr val="phClr">
-                <a:tint val="100000"/>
-                <a:shade val="100000"/>
-                <a:satMod val="130000"/>
-              </a:schemeClr>
-            </a:gs>
-            <a:gs pos="100000">
-              <a:schemeClr val="phClr">
-                <a:tint val="50000"/>
-                <a:shade val="100000"/>
-                <a:satMod val="350000"/>
-              </a:schemeClr>
-            </a:gs>
-          </a:gsLst>
-          <a:lin ang="16200000" scaled="0"/>
-        </a:gradFill>
-      </a:fillStyleLst>
-      <a:lnStyleLst>
-        <a:ln w="9525" cap="flat" cmpd="sng" algn="ctr">
-          <a:solidFill>
-            <a:schemeClr val="phClr">
-              <a:shade val="95000"/>
-              <a:satMod val="105000"/>
-            </a:schemeClr>
-          </a:solidFill>
-          <a:prstDash val="solid"/>
-        </a:ln>
-        <a:ln w="25400" cap="flat" cmpd="sng" algn="ctr">
-          <a:solidFill>
-            <a:schemeClr val="phClr"/>
-          </a:solidFill>
-          <a:prstDash val="solid"/>
-        </a:ln>
-        <a:ln w="38100" cap="flat" cmpd="sng" algn="ctr">
-          <a:solidFill>
-            <a:schemeClr val="phClr"/>
-          </a:solidFill>
-          <a:prstDash val="solid"/>
-        </a:ln>
-      </a:lnStyleLst>
-      <a:effectStyleLst>
-        <a:effectStyle>
-          <a:effectLst>
-            <a:outerShdw blurRad="40000" dist="20000" dir="5400000" rotWithShape="0">
-              <a:srgbClr val="000000">
-                <a:alpha val="38000"/>
-              </a:srgbClr>
-            </a:outerShdw>
-          </a:effectLst>
-        </a:effectStyle>
-        <a:effectStyle>
-          <a:effectLst>
-            <a:outerShdw blurRad="40000" dist="23000" dir="5400000" rotWithShape="0">
-              <a:srgbClr val="000000">
-                <a:alpha val="35000"/>
-              </a:srgbClr>
-            </a:outerShdw>
-          </a:effectLst>
-        </a:effectStyle>
-        <a:effectStyle>
-          <a:effectLst>
-            <a:outerShdw blurRad="40000" dist="23000" dir="5400000" rotWithShape="0">
-              <a:srgbClr val="000000">
-                <a:alpha val="35000"/>
-              </a:srgbClr>
-            </a:outerShdw>
-          </a:effectLst>
-          <a:scene3d>
-            <a:camera prst="orthographicFront">
-              <a:rot lat="0" lon="0" rev="0"/>
-            </a:camera>
-            <a:lightRig rig="threePt" dir="t">
-              <a:rot lat="0" lon="0" rev="1200000"/>
-            </a:lightRig>
-          </a:scene3d>
-          <a:sp3d>
-            <a:bevelT w="63500" h="25400"/>
-          </a:sp3d>
-        </a:effectStyle>
-      </a:effectStyleLst>
-      <a:bgFillStyleLst>
-        <a:solidFill>
-          <a:schemeClr val="phClr"/>
-        </a:solidFill>
-        <a:gradFill rotWithShape="1">
-          <a:gsLst>
-            <a:gs pos="0">
-              <a:schemeClr val="phClr">
-                <a:tint val="40000"/>
-                <a:satMod val="350000"/>
-              </a:schemeClr>
-            </a:gs>
-            <a:gs pos="40000">
-              <a:schemeClr val="phClr">
-                <a:tint val="45000"/>
-                <a:shade val="99000"/>
-                <a:satMod val="350000"/>
-              </a:schemeClr>
-            </a:gs>
-            <a:gs pos="100000">
-              <a:schemeClr val="phClr">
-                <a:shade val="20000"/>
-                <a:satMod val="255000"/>
-              </a:schemeClr>
-            </a:gs>
-          </a:gsLst>
-          <a:path path="circle">
-            <a:fillToRect l="50000" t="-80000" r="50000" b="180000"/>
-          </a:path>
-        </a:gradFill>
-        <a:gradFill rotWithShape="1">
-          <a:gsLst>
-            <a:gs pos="0">
-              <a:schemeClr val="phClr">
-                <a:tint val="80000"/>
-                <a:satMod val="300000"/>
-              </a:schemeClr>
-            </a:gs>
-            <a:gs pos="100000">
-              <a:schemeClr val="phClr">
-                <a:shade val="30000"/>
-                <a:satMod val="200000"/>
-              </a:schemeClr>
-            </a:gs>
-          </a:gsLst>
-          <a:path path="circle">
-            <a:fillToRect l="50000" t="50000" r="50000" b="50000"/>
-          </a:path>
-        </a:gradFill>
-      </a:bgFillStyleLst>
-    </a:fmtScheme>
-  </a:themeElements>
-</a:theme>
 </file>